--- a/PositionBasedFluidSimulation.pptx
+++ b/PositionBasedFluidSimulation.pptx
@@ -5,7 +5,7 @@
     <p:sldMasterId id="2147483658" r:id="rId1"/>
   </p:sldMasterIdLst>
   <p:notesMasterIdLst>
-    <p:notesMasterId r:id="rId7"/>
+    <p:notesMasterId r:id="rId8"/>
   </p:notesMasterIdLst>
   <p:sldIdLst>
     <p:sldId id="256" r:id="rId2"/>
@@ -13,6 +13,7 @@
     <p:sldId id="259" r:id="rId4"/>
     <p:sldId id="286" r:id="rId5"/>
     <p:sldId id="287" r:id="rId6"/>
+    <p:sldId id="288" r:id="rId7"/>
   </p:sldIdLst>
   <p:sldSz cx="9144000" cy="5143500" type="screen16x9"/>
   <p:notesSz cx="6858000" cy="9144000"/>
@@ -2270,6 +2271,175 @@
     <p:extLst>
       <p:ext uri="{BB962C8B-B14F-4D97-AF65-F5344CB8AC3E}">
         <p14:creationId xmlns:p14="http://schemas.microsoft.com/office/powerpoint/2010/main" val="2767941498"/>
+      </p:ext>
+    </p:extLst>
+  </p:cSld>
+  <p:clrMapOvr>
+    <a:masterClrMapping/>
+  </p:clrMapOvr>
+</p:notes>
+</file>
+
+<file path=ppt/notesSlides/notesSlide6.xml><?xml version="1.0" encoding="utf-8"?>
+<p:notes xmlns:a="http://schemas.openxmlformats.org/drawingml/2006/main" xmlns:r="http://schemas.openxmlformats.org/officeDocument/2006/relationships" xmlns:p="http://schemas.openxmlformats.org/presentationml/2006/main" showMasterSp="0" showMasterPhAnim="0">
+  <p:cSld>
+    <p:spTree>
+      <p:nvGrpSpPr>
+        <p:cNvPr id="1" name="Shape 110"/>
+        <p:cNvGrpSpPr/>
+        <p:nvPr/>
+      </p:nvGrpSpPr>
+      <p:grpSpPr>
+        <a:xfrm>
+          <a:off x="0" y="0"/>
+          <a:ext cx="0" cy="0"/>
+          <a:chOff x="0" y="0"/>
+          <a:chExt cx="0" cy="0"/>
+        </a:xfrm>
+      </p:grpSpPr>
+      <p:sp>
+        <p:nvSpPr>
+          <p:cNvPr id="111" name="Google Shape;111;p3:notes"/>
+          <p:cNvSpPr>
+            <a:spLocks noGrp="1" noRot="1" noChangeAspect="1"/>
+          </p:cNvSpPr>
+          <p:nvPr>
+            <p:ph type="sldImg" idx="2"/>
+          </p:nvPr>
+        </p:nvSpPr>
+        <p:spPr>
+          <a:xfrm>
+            <a:off x="685800" y="1143000"/>
+            <a:ext cx="5486400" cy="3086100"/>
+          </a:xfrm>
+          <a:custGeom>
+            <a:avLst/>
+            <a:gdLst/>
+            <a:ahLst/>
+            <a:cxnLst/>
+            <a:rect l="l" t="t" r="r" b="b"/>
+            <a:pathLst>
+              <a:path w="120000" h="120000" extrusionOk="0">
+                <a:moveTo>
+                  <a:pt x="0" y="0"/>
+                </a:moveTo>
+                <a:lnTo>
+                  <a:pt x="120000" y="0"/>
+                </a:lnTo>
+                <a:lnTo>
+                  <a:pt x="120000" y="120000"/>
+                </a:lnTo>
+                <a:lnTo>
+                  <a:pt x="0" y="120000"/>
+                </a:lnTo>
+                <a:close/>
+              </a:path>
+            </a:pathLst>
+          </a:custGeom>
+          <a:noFill/>
+          <a:ln w="12700" cap="flat" cmpd="sng">
+            <a:solidFill>
+              <a:srgbClr val="000000"/>
+            </a:solidFill>
+            <a:prstDash val="solid"/>
+            <a:round/>
+            <a:headEnd type="none" w="sm" len="sm"/>
+            <a:tailEnd type="none" w="sm" len="sm"/>
+          </a:ln>
+        </p:spPr>
+      </p:sp>
+      <p:sp>
+        <p:nvSpPr>
+          <p:cNvPr id="112" name="Google Shape;112;p3:notes"/>
+          <p:cNvSpPr txBox="1">
+            <a:spLocks noGrp="1"/>
+          </p:cNvSpPr>
+          <p:nvPr>
+            <p:ph type="body" idx="1"/>
+          </p:nvPr>
+        </p:nvSpPr>
+        <p:spPr>
+          <a:xfrm>
+            <a:off x="685800" y="4400550"/>
+            <a:ext cx="5486400" cy="3600450"/>
+          </a:xfrm>
+          <a:prstGeom prst="rect">
+            <a:avLst/>
+          </a:prstGeom>
+          <a:noFill/>
+          <a:ln>
+            <a:noFill/>
+          </a:ln>
+        </p:spPr>
+        <p:txBody>
+          <a:bodyPr spcFirstLastPara="1" wrap="square" lIns="91425" tIns="45700" rIns="91425" bIns="45700" anchor="t" anchorCtr="0">
+            <a:noAutofit/>
+          </a:bodyPr>
+          <a:lstStyle/>
+          <a:p>
+            <a:pPr marL="0" lvl="0" indent="0" algn="l" rtl="0">
+              <a:spcBef>
+                <a:spcPts val="0"/>
+              </a:spcBef>
+              <a:spcAft>
+                <a:spcPts val="0"/>
+              </a:spcAft>
+              <a:buNone/>
+            </a:pPr>
+            <a:endParaRPr/>
+          </a:p>
+        </p:txBody>
+      </p:sp>
+      <p:sp>
+        <p:nvSpPr>
+          <p:cNvPr id="113" name="Google Shape;113;p3:notes"/>
+          <p:cNvSpPr txBox="1">
+            <a:spLocks noGrp="1"/>
+          </p:cNvSpPr>
+          <p:nvPr>
+            <p:ph type="sldNum" idx="12"/>
+          </p:nvPr>
+        </p:nvSpPr>
+        <p:spPr>
+          <a:xfrm>
+            <a:off x="3884613" y="8685213"/>
+            <a:ext cx="2971800" cy="458787"/>
+          </a:xfrm>
+          <a:prstGeom prst="rect">
+            <a:avLst/>
+          </a:prstGeom>
+          <a:noFill/>
+          <a:ln>
+            <a:noFill/>
+          </a:ln>
+        </p:spPr>
+        <p:txBody>
+          <a:bodyPr spcFirstLastPara="1" wrap="square" lIns="91425" tIns="45700" rIns="91425" bIns="45700" anchor="b" anchorCtr="0">
+            <a:noAutofit/>
+          </a:bodyPr>
+          <a:lstStyle/>
+          <a:p>
+            <a:pPr marL="0" lvl="0" indent="0" algn="r" rtl="0">
+              <a:spcBef>
+                <a:spcPts val="0"/>
+              </a:spcBef>
+              <a:spcAft>
+                <a:spcPts val="0"/>
+              </a:spcAft>
+              <a:buNone/>
+            </a:pPr>
+            <a:fld id="{00000000-1234-1234-1234-123412341234}" type="slidenum">
+              <a:rPr lang="en-GB"/>
+              <a:t>6</a:t>
+            </a:fld>
+            <a:endParaRPr/>
+          </a:p>
+        </p:txBody>
+      </p:sp>
+    </p:spTree>
+    <p:extLst>
+      <p:ext uri="{BB962C8B-B14F-4D97-AF65-F5344CB8AC3E}">
+        <p14:creationId xmlns:p14="http://schemas.microsoft.com/office/powerpoint/2010/main" val="220915009"/>
       </p:ext>
     </p:extLst>
   </p:cSld>
@@ -11790,6 +11960,56 @@
           </a:prstGeom>
         </p:spPr>
       </p:pic>
+      <p:sp>
+        <p:nvSpPr>
+          <p:cNvPr id="2" name="Rectangle 1">
+            <a:extLst>
+              <a:ext uri="{FF2B5EF4-FFF2-40B4-BE49-F238E27FC236}">
+                <a16:creationId xmlns:a16="http://schemas.microsoft.com/office/drawing/2014/main" id="{71DE4932-954A-4569-880D-D95E0BF94C37}"/>
+              </a:ext>
+            </a:extLst>
+          </p:cNvPr>
+          <p:cNvSpPr/>
+          <p:nvPr/>
+        </p:nvSpPr>
+        <p:spPr>
+          <a:xfrm>
+            <a:off x="4787250" y="4912668"/>
+            <a:ext cx="4572000" cy="230832"/>
+          </a:xfrm>
+          <a:prstGeom prst="rect">
+            <a:avLst/>
+          </a:prstGeom>
+        </p:spPr>
+        <p:txBody>
+          <a:bodyPr>
+            <a:spAutoFit/>
+          </a:bodyPr>
+          <a:lstStyle/>
+          <a:p>
+            <a:r>
+              <a:rPr lang="en-US" sz="900" dirty="0">
+                <a:solidFill>
+                  <a:srgbClr val="24292E"/>
+                </a:solidFill>
+                <a:latin typeface="-apple-system"/>
+              </a:rPr>
+              <a:t> </a:t>
+            </a:r>
+            <a:r>
+              <a:rPr lang="en-US" sz="900" dirty="0">
+                <a:solidFill>
+                  <a:srgbClr val="0366D6"/>
+                </a:solidFill>
+                <a:latin typeface="-apple-system"/>
+                <a:hlinkClick r:id="rId6"/>
+              </a:rPr>
+              <a:t>http://developer.download.nvidia.com/presentations/2010/gdc/Direct3D_Effects.pdf</a:t>
+            </a:r>
+            <a:endParaRPr lang="en-US" sz="900" dirty="0"/>
+          </a:p>
+        </p:txBody>
+      </p:sp>
     </p:spTree>
     <p:extLst>
       <p:ext uri="{BB962C8B-B14F-4D97-AF65-F5344CB8AC3E}">
@@ -12006,6 +12226,817 @@
         </p:nvCxnSpPr>
         <p:spPr>
           <a:xfrm>
+            <a:off x="1624588" y="657417"/>
+            <a:ext cx="480259" cy="0"/>
+          </a:xfrm>
+          <a:prstGeom prst="straightConnector1">
+            <a:avLst/>
+          </a:prstGeom>
+          <a:noFill/>
+          <a:ln w="9525" cap="flat" cmpd="sng">
+            <a:solidFill>
+              <a:srgbClr val="1B4367"/>
+            </a:solidFill>
+            <a:prstDash val="solid"/>
+            <a:miter lim="800000"/>
+            <a:headEnd type="none" w="sm" len="sm"/>
+            <a:tailEnd type="none" w="sm" len="sm"/>
+          </a:ln>
+        </p:spPr>
+      </p:cxnSp>
+      <p:pic>
+        <p:nvPicPr>
+          <p:cNvPr id="2" name="Picture 1">
+            <a:extLst>
+              <a:ext uri="{FF2B5EF4-FFF2-40B4-BE49-F238E27FC236}">
+                <a16:creationId xmlns:a16="http://schemas.microsoft.com/office/drawing/2014/main" id="{2EA2C3C5-0A7A-4B0A-99BB-18AE172971A3}"/>
+              </a:ext>
+            </a:extLst>
+          </p:cNvPr>
+          <p:cNvPicPr>
+            <a:picLocks noChangeAspect="1"/>
+          </p:cNvPicPr>
+          <p:nvPr/>
+        </p:nvPicPr>
+        <p:blipFill>
+          <a:blip r:embed="rId3"/>
+          <a:stretch>
+            <a:fillRect/>
+          </a:stretch>
+        </p:blipFill>
+        <p:spPr>
+          <a:xfrm>
+            <a:off x="1666428" y="755091"/>
+            <a:ext cx="4916888" cy="2731058"/>
+          </a:xfrm>
+          <a:prstGeom prst="rect">
+            <a:avLst/>
+          </a:prstGeom>
+        </p:spPr>
+      </p:pic>
+      <p:pic>
+        <p:nvPicPr>
+          <p:cNvPr id="3" name="Picture 2">
+            <a:extLst>
+              <a:ext uri="{FF2B5EF4-FFF2-40B4-BE49-F238E27FC236}">
+                <a16:creationId xmlns:a16="http://schemas.microsoft.com/office/drawing/2014/main" id="{0F20DD56-4851-4026-82D7-48BA1788C679}"/>
+              </a:ext>
+            </a:extLst>
+          </p:cNvPr>
+          <p:cNvPicPr>
+            <a:picLocks noChangeAspect="1"/>
+          </p:cNvPicPr>
+          <p:nvPr/>
+        </p:nvPicPr>
+        <p:blipFill>
+          <a:blip r:embed="rId4"/>
+          <a:stretch>
+            <a:fillRect/>
+          </a:stretch>
+        </p:blipFill>
+        <p:spPr>
+          <a:xfrm>
+            <a:off x="1894836" y="3538987"/>
+            <a:ext cx="4743450" cy="1543050"/>
+          </a:xfrm>
+          <a:prstGeom prst="rect">
+            <a:avLst/>
+          </a:prstGeom>
+        </p:spPr>
+      </p:pic>
+      <p:sp>
+        <p:nvSpPr>
+          <p:cNvPr id="4" name="TextBox 3">
+            <a:extLst>
+              <a:ext uri="{FF2B5EF4-FFF2-40B4-BE49-F238E27FC236}">
+                <a16:creationId xmlns:a16="http://schemas.microsoft.com/office/drawing/2014/main" id="{816FD803-DCDE-42E6-B948-452573BA1072}"/>
+              </a:ext>
+            </a:extLst>
+          </p:cNvPr>
+          <p:cNvSpPr txBox="1"/>
+          <p:nvPr/>
+        </p:nvSpPr>
+        <p:spPr>
+          <a:xfrm>
+            <a:off x="2104847" y="2571750"/>
+            <a:ext cx="572593" cy="307777"/>
+          </a:xfrm>
+          <a:prstGeom prst="rect">
+            <a:avLst/>
+          </a:prstGeom>
+          <a:noFill/>
+        </p:spPr>
+        <p:txBody>
+          <a:bodyPr wrap="none" rtlCol="0">
+            <a:spAutoFit/>
+          </a:bodyPr>
+          <a:lstStyle/>
+          <a:p>
+            <a:r>
+              <a:rPr lang="en-US" dirty="0">
+                <a:solidFill>
+                  <a:schemeClr val="bg1"/>
+                </a:solidFill>
+              </a:rPr>
+              <a:t>Fluid</a:t>
+            </a:r>
+          </a:p>
+        </p:txBody>
+      </p:sp>
+      <p:sp>
+        <p:nvSpPr>
+          <p:cNvPr id="8" name="TextBox 7">
+            <a:extLst>
+              <a:ext uri="{FF2B5EF4-FFF2-40B4-BE49-F238E27FC236}">
+                <a16:creationId xmlns:a16="http://schemas.microsoft.com/office/drawing/2014/main" id="{B6F9F082-12A5-4D17-8400-FB3F876004E0}"/>
+              </a:ext>
+            </a:extLst>
+          </p:cNvPr>
+          <p:cNvSpPr txBox="1"/>
+          <p:nvPr/>
+        </p:nvSpPr>
+        <p:spPr>
+          <a:xfrm>
+            <a:off x="3740821" y="799028"/>
+            <a:ext cx="1128835" cy="307777"/>
+          </a:xfrm>
+          <a:prstGeom prst="rect">
+            <a:avLst/>
+          </a:prstGeom>
+          <a:noFill/>
+        </p:spPr>
+        <p:txBody>
+          <a:bodyPr wrap="none" rtlCol="0">
+            <a:spAutoFit/>
+          </a:bodyPr>
+          <a:lstStyle/>
+          <a:p>
+            <a:r>
+              <a:rPr lang="en-US" b="1" dirty="0">
+                <a:solidFill>
+                  <a:schemeClr val="bg1"/>
+                </a:solidFill>
+              </a:rPr>
+              <a:t>Rigid Body</a:t>
+            </a:r>
+          </a:p>
+        </p:txBody>
+      </p:sp>
+      <p:cxnSp>
+        <p:nvCxnSpPr>
+          <p:cNvPr id="6" name="Straight Arrow Connector 5">
+            <a:extLst>
+              <a:ext uri="{FF2B5EF4-FFF2-40B4-BE49-F238E27FC236}">
+                <a16:creationId xmlns:a16="http://schemas.microsoft.com/office/drawing/2014/main" id="{BD9A787A-9EA3-4B90-A5A2-0E06C3C46E74}"/>
+              </a:ext>
+            </a:extLst>
+          </p:cNvPr>
+          <p:cNvCxnSpPr>
+            <a:cxnSpLocks/>
+            <a:stCxn id="8" idx="2"/>
+          </p:cNvCxnSpPr>
+          <p:nvPr/>
+        </p:nvCxnSpPr>
+        <p:spPr>
+          <a:xfrm flipH="1">
+            <a:off x="3579025" y="1106805"/>
+            <a:ext cx="726214" cy="551326"/>
+          </a:xfrm>
+          <a:prstGeom prst="straightConnector1">
+            <a:avLst/>
+          </a:prstGeom>
+          <a:ln>
+            <a:tailEnd type="triangle"/>
+          </a:ln>
+        </p:spPr>
+        <p:style>
+          <a:lnRef idx="2">
+            <a:schemeClr val="accent4"/>
+          </a:lnRef>
+          <a:fillRef idx="0">
+            <a:schemeClr val="accent4"/>
+          </a:fillRef>
+          <a:effectRef idx="1">
+            <a:schemeClr val="accent4"/>
+          </a:effectRef>
+          <a:fontRef idx="minor">
+            <a:schemeClr val="tx1"/>
+          </a:fontRef>
+        </p:style>
+      </p:cxnSp>
+      <p:sp>
+        <p:nvSpPr>
+          <p:cNvPr id="13" name="TextBox 12">
+            <a:extLst>
+              <a:ext uri="{FF2B5EF4-FFF2-40B4-BE49-F238E27FC236}">
+                <a16:creationId xmlns:a16="http://schemas.microsoft.com/office/drawing/2014/main" id="{8E97DE02-5C87-46DB-807C-DF638C1C3D6B}"/>
+              </a:ext>
+            </a:extLst>
+          </p:cNvPr>
+          <p:cNvSpPr txBox="1"/>
+          <p:nvPr/>
+        </p:nvSpPr>
+        <p:spPr>
+          <a:xfrm rot="19342122">
+            <a:off x="3280280" y="1202469"/>
+            <a:ext cx="732893" cy="276999"/>
+          </a:xfrm>
+          <a:prstGeom prst="rect">
+            <a:avLst/>
+          </a:prstGeom>
+          <a:noFill/>
+        </p:spPr>
+        <p:txBody>
+          <a:bodyPr wrap="none" rtlCol="0">
+            <a:spAutoFit/>
+          </a:bodyPr>
+          <a:lstStyle/>
+          <a:p>
+            <a:r>
+              <a:rPr lang="en-US" sz="1200" b="1" dirty="0">
+                <a:solidFill>
+                  <a:schemeClr val="bg1"/>
+                </a:solidFill>
+              </a:rPr>
+              <a:t>unfixed</a:t>
+            </a:r>
+          </a:p>
+        </p:txBody>
+      </p:sp>
+      <p:cxnSp>
+        <p:nvCxnSpPr>
+          <p:cNvPr id="14" name="Straight Arrow Connector 13">
+            <a:extLst>
+              <a:ext uri="{FF2B5EF4-FFF2-40B4-BE49-F238E27FC236}">
+                <a16:creationId xmlns:a16="http://schemas.microsoft.com/office/drawing/2014/main" id="{44B25163-5506-4E07-914B-66FBAEE504E6}"/>
+              </a:ext>
+            </a:extLst>
+          </p:cNvPr>
+          <p:cNvCxnSpPr>
+            <a:cxnSpLocks/>
+            <a:stCxn id="8" idx="3"/>
+          </p:cNvCxnSpPr>
+          <p:nvPr/>
+        </p:nvCxnSpPr>
+        <p:spPr>
+          <a:xfrm>
+            <a:off x="4869656" y="952917"/>
+            <a:ext cx="582083" cy="427067"/>
+          </a:xfrm>
+          <a:prstGeom prst="straightConnector1">
+            <a:avLst/>
+          </a:prstGeom>
+          <a:ln>
+            <a:tailEnd type="triangle"/>
+          </a:ln>
+        </p:spPr>
+        <p:style>
+          <a:lnRef idx="2">
+            <a:schemeClr val="accent4"/>
+          </a:lnRef>
+          <a:fillRef idx="0">
+            <a:schemeClr val="accent4"/>
+          </a:fillRef>
+          <a:effectRef idx="1">
+            <a:schemeClr val="accent4"/>
+          </a:effectRef>
+          <a:fontRef idx="minor">
+            <a:schemeClr val="tx1"/>
+          </a:fontRef>
+        </p:style>
+      </p:cxnSp>
+      <p:sp>
+        <p:nvSpPr>
+          <p:cNvPr id="15" name="TextBox 14">
+            <a:extLst>
+              <a:ext uri="{FF2B5EF4-FFF2-40B4-BE49-F238E27FC236}">
+                <a16:creationId xmlns:a16="http://schemas.microsoft.com/office/drawing/2014/main" id="{6883C616-4752-4CAA-967F-609249DD233C}"/>
+              </a:ext>
+            </a:extLst>
+          </p:cNvPr>
+          <p:cNvSpPr txBox="1"/>
+          <p:nvPr/>
+        </p:nvSpPr>
+        <p:spPr>
+          <a:xfrm rot="1360212">
+            <a:off x="5017414" y="1004749"/>
+            <a:ext cx="543739" cy="276999"/>
+          </a:xfrm>
+          <a:prstGeom prst="rect">
+            <a:avLst/>
+          </a:prstGeom>
+          <a:noFill/>
+        </p:spPr>
+        <p:txBody>
+          <a:bodyPr wrap="none" rtlCol="0">
+            <a:spAutoFit/>
+          </a:bodyPr>
+          <a:lstStyle/>
+          <a:p>
+            <a:r>
+              <a:rPr lang="en-US" sz="1200" b="1" dirty="0">
+                <a:solidFill>
+                  <a:schemeClr val="bg1"/>
+                </a:solidFill>
+              </a:rPr>
+              <a:t>fixed</a:t>
+            </a:r>
+          </a:p>
+        </p:txBody>
+      </p:sp>
+      <p:sp>
+        <p:nvSpPr>
+          <p:cNvPr id="17" name="TextBox 16">
+            <a:extLst>
+              <a:ext uri="{FF2B5EF4-FFF2-40B4-BE49-F238E27FC236}">
+                <a16:creationId xmlns:a16="http://schemas.microsoft.com/office/drawing/2014/main" id="{14E8EB2D-31E3-4A9C-9A2D-F9681F35E99B}"/>
+              </a:ext>
+            </a:extLst>
+          </p:cNvPr>
+          <p:cNvSpPr txBox="1"/>
+          <p:nvPr/>
+        </p:nvSpPr>
+        <p:spPr>
+          <a:xfrm>
+            <a:off x="4039852" y="2794970"/>
+            <a:ext cx="1249060" cy="307777"/>
+          </a:xfrm>
+          <a:prstGeom prst="rect">
+            <a:avLst/>
+          </a:prstGeom>
+          <a:noFill/>
+        </p:spPr>
+        <p:txBody>
+          <a:bodyPr wrap="none" rtlCol="0">
+            <a:spAutoFit/>
+          </a:bodyPr>
+          <a:lstStyle/>
+          <a:p>
+            <a:r>
+              <a:rPr lang="en-US" b="1" dirty="0">
+                <a:solidFill>
+                  <a:schemeClr val="bg1"/>
+                </a:solidFill>
+              </a:rPr>
+              <a:t>Mass Spring</a:t>
+            </a:r>
+          </a:p>
+        </p:txBody>
+      </p:sp>
+      <p:cxnSp>
+        <p:nvCxnSpPr>
+          <p:cNvPr id="18" name="Straight Arrow Connector 17">
+            <a:extLst>
+              <a:ext uri="{FF2B5EF4-FFF2-40B4-BE49-F238E27FC236}">
+                <a16:creationId xmlns:a16="http://schemas.microsoft.com/office/drawing/2014/main" id="{48B5F723-2118-4C6D-B886-1184B080BC40}"/>
+              </a:ext>
+            </a:extLst>
+          </p:cNvPr>
+          <p:cNvCxnSpPr>
+            <a:cxnSpLocks/>
+            <a:stCxn id="17" idx="0"/>
+          </p:cNvCxnSpPr>
+          <p:nvPr/>
+        </p:nvCxnSpPr>
+        <p:spPr>
+          <a:xfrm flipV="1">
+            <a:off x="4664382" y="1926846"/>
+            <a:ext cx="624530" cy="868124"/>
+          </a:xfrm>
+          <a:prstGeom prst="straightConnector1">
+            <a:avLst/>
+          </a:prstGeom>
+          <a:ln>
+            <a:tailEnd type="triangle"/>
+          </a:ln>
+        </p:spPr>
+        <p:style>
+          <a:lnRef idx="2">
+            <a:schemeClr val="accent4"/>
+          </a:lnRef>
+          <a:fillRef idx="0">
+            <a:schemeClr val="accent4"/>
+          </a:fillRef>
+          <a:effectRef idx="1">
+            <a:schemeClr val="accent4"/>
+          </a:effectRef>
+          <a:fontRef idx="minor">
+            <a:schemeClr val="tx1"/>
+          </a:fontRef>
+        </p:style>
+      </p:cxnSp>
+      <p:sp>
+        <p:nvSpPr>
+          <p:cNvPr id="21" name="Rectangle 1">
+            <a:extLst>
+              <a:ext uri="{FF2B5EF4-FFF2-40B4-BE49-F238E27FC236}">
+                <a16:creationId xmlns:a16="http://schemas.microsoft.com/office/drawing/2014/main" id="{A12D5853-A347-4F8D-A689-BB64074B188E}"/>
+              </a:ext>
+            </a:extLst>
+          </p:cNvPr>
+          <p:cNvSpPr>
+            <a:spLocks noChangeArrowheads="1"/>
+          </p:cNvSpPr>
+          <p:nvPr/>
+        </p:nvSpPr>
+        <p:spPr bwMode="auto">
+          <a:xfrm>
+            <a:off x="5530999" y="4877535"/>
+            <a:ext cx="2434282" cy="184666"/>
+          </a:xfrm>
+          <a:prstGeom prst="rect">
+            <a:avLst/>
+          </a:prstGeom>
+          <a:noFill/>
+          <a:ln>
+            <a:noFill/>
+          </a:ln>
+          <a:effectLst/>
+          <a:extLst>
+            <a:ext uri="{909E8E84-426E-40DD-AFC4-6F175D3DCCD1}">
+              <a14:hiddenFill xmlns:a14="http://schemas.microsoft.com/office/drawing/2010/main">
+                <a:solidFill>
+                  <a:schemeClr val="accent1"/>
+                </a:solidFill>
+              </a14:hiddenFill>
+            </a:ext>
+            <a:ext uri="{91240B29-F687-4F45-9708-019B960494DF}">
+              <a14:hiddenLine xmlns:a14="http://schemas.microsoft.com/office/drawing/2010/main" w="9525">
+                <a:solidFill>
+                  <a:schemeClr val="tx1"/>
+                </a:solidFill>
+                <a:miter lim="800000"/>
+                <a:headEnd/>
+                <a:tailEnd/>
+              </a14:hiddenLine>
+            </a:ext>
+            <a:ext uri="{AF507438-7753-43E0-B8FC-AC1667EBCBE1}">
+              <a14:hiddenEffects xmlns:a14="http://schemas.microsoft.com/office/drawing/2010/main">
+                <a:effectLst>
+                  <a:outerShdw dist="35921" dir="2700000" algn="ctr" rotWithShape="0">
+                    <a:schemeClr val="bg2"/>
+                  </a:outerShdw>
+                </a:effectLst>
+              </a14:hiddenEffects>
+            </a:ext>
+          </a:extLst>
+        </p:spPr>
+        <p:txBody>
+          <a:bodyPr vert="horz" wrap="square" lIns="0" tIns="0" rIns="0" bIns="0" numCol="1" anchor="ctr" anchorCtr="0" compatLnSpc="1">
+            <a:prstTxWarp prst="textNoShape">
+              <a:avLst/>
+            </a:prstTxWarp>
+            <a:spAutoFit/>
+          </a:bodyPr>
+          <a:lstStyle>
+            <a:lvl1pPr eaLnBrk="0" fontAlgn="base" hangingPunct="0">
+              <a:spcBef>
+                <a:spcPct val="0"/>
+              </a:spcBef>
+              <a:spcAft>
+                <a:spcPct val="0"/>
+              </a:spcAft>
+              <a:defRPr>
+                <a:solidFill>
+                  <a:schemeClr val="tx1"/>
+                </a:solidFill>
+                <a:latin typeface="Arial" panose="020B0604020202020204" pitchFamily="34" charset="0"/>
+              </a:defRPr>
+            </a:lvl1pPr>
+            <a:lvl2pPr marL="457200" eaLnBrk="0" fontAlgn="base" hangingPunct="0">
+              <a:spcBef>
+                <a:spcPct val="0"/>
+              </a:spcBef>
+              <a:spcAft>
+                <a:spcPct val="0"/>
+              </a:spcAft>
+              <a:defRPr>
+                <a:solidFill>
+                  <a:schemeClr val="tx1"/>
+                </a:solidFill>
+                <a:latin typeface="Arial" panose="020B0604020202020204" pitchFamily="34" charset="0"/>
+              </a:defRPr>
+            </a:lvl2pPr>
+            <a:lvl3pPr marL="914400" eaLnBrk="0" fontAlgn="base" hangingPunct="0">
+              <a:spcBef>
+                <a:spcPct val="0"/>
+              </a:spcBef>
+              <a:spcAft>
+                <a:spcPct val="0"/>
+              </a:spcAft>
+              <a:defRPr>
+                <a:solidFill>
+                  <a:schemeClr val="tx1"/>
+                </a:solidFill>
+                <a:latin typeface="Arial" panose="020B0604020202020204" pitchFamily="34" charset="0"/>
+              </a:defRPr>
+            </a:lvl3pPr>
+            <a:lvl4pPr marL="1371600" eaLnBrk="0" fontAlgn="base" hangingPunct="0">
+              <a:spcBef>
+                <a:spcPct val="0"/>
+              </a:spcBef>
+              <a:spcAft>
+                <a:spcPct val="0"/>
+              </a:spcAft>
+              <a:defRPr>
+                <a:solidFill>
+                  <a:schemeClr val="tx1"/>
+                </a:solidFill>
+                <a:latin typeface="Arial" panose="020B0604020202020204" pitchFamily="34" charset="0"/>
+              </a:defRPr>
+            </a:lvl4pPr>
+            <a:lvl5pPr marL="1828800" eaLnBrk="0" fontAlgn="base" hangingPunct="0">
+              <a:spcBef>
+                <a:spcPct val="0"/>
+              </a:spcBef>
+              <a:spcAft>
+                <a:spcPct val="0"/>
+              </a:spcAft>
+              <a:defRPr>
+                <a:solidFill>
+                  <a:schemeClr val="tx1"/>
+                </a:solidFill>
+                <a:latin typeface="Arial" panose="020B0604020202020204" pitchFamily="34" charset="0"/>
+              </a:defRPr>
+            </a:lvl5pPr>
+            <a:lvl6pPr marL="2286000" eaLnBrk="0" fontAlgn="base" hangingPunct="0">
+              <a:spcBef>
+                <a:spcPct val="0"/>
+              </a:spcBef>
+              <a:spcAft>
+                <a:spcPct val="0"/>
+              </a:spcAft>
+              <a:defRPr>
+                <a:solidFill>
+                  <a:schemeClr val="tx1"/>
+                </a:solidFill>
+                <a:latin typeface="Arial" panose="020B0604020202020204" pitchFamily="34" charset="0"/>
+              </a:defRPr>
+            </a:lvl6pPr>
+            <a:lvl7pPr marL="2743200" eaLnBrk="0" fontAlgn="base" hangingPunct="0">
+              <a:spcBef>
+                <a:spcPct val="0"/>
+              </a:spcBef>
+              <a:spcAft>
+                <a:spcPct val="0"/>
+              </a:spcAft>
+              <a:defRPr>
+                <a:solidFill>
+                  <a:schemeClr val="tx1"/>
+                </a:solidFill>
+                <a:latin typeface="Arial" panose="020B0604020202020204" pitchFamily="34" charset="0"/>
+              </a:defRPr>
+            </a:lvl7pPr>
+            <a:lvl8pPr marL="3200400" eaLnBrk="0" fontAlgn="base" hangingPunct="0">
+              <a:spcBef>
+                <a:spcPct val="0"/>
+              </a:spcBef>
+              <a:spcAft>
+                <a:spcPct val="0"/>
+              </a:spcAft>
+              <a:defRPr>
+                <a:solidFill>
+                  <a:schemeClr val="tx1"/>
+                </a:solidFill>
+                <a:latin typeface="Arial" panose="020B0604020202020204" pitchFamily="34" charset="0"/>
+              </a:defRPr>
+            </a:lvl8pPr>
+            <a:lvl9pPr marL="3657600" eaLnBrk="0" fontAlgn="base" hangingPunct="0">
+              <a:spcBef>
+                <a:spcPct val="0"/>
+              </a:spcBef>
+              <a:spcAft>
+                <a:spcPct val="0"/>
+              </a:spcAft>
+              <a:defRPr>
+                <a:solidFill>
+                  <a:schemeClr val="tx1"/>
+                </a:solidFill>
+                <a:latin typeface="Arial" panose="020B0604020202020204" pitchFamily="34" charset="0"/>
+              </a:defRPr>
+            </a:lvl9pPr>
+          </a:lstStyle>
+          <a:p>
+            <a:pPr marL="0" marR="0" lvl="0" indent="0" algn="l" defTabSz="914400" rtl="0" eaLnBrk="0" fontAlgn="base" latinLnBrk="0" hangingPunct="0">
+              <a:lnSpc>
+                <a:spcPct val="100000"/>
+              </a:lnSpc>
+              <a:spcBef>
+                <a:spcPct val="0"/>
+              </a:spcBef>
+              <a:spcAft>
+                <a:spcPct val="0"/>
+              </a:spcAft>
+              <a:buClrTx/>
+              <a:buSzTx/>
+              <a:buFontTx/>
+              <a:buNone/>
+              <a:tabLst/>
+            </a:pPr>
+            <a:r>
+              <a:rPr kumimoji="0" lang="en-US" altLang="en-US" sz="900" b="0" i="1" u="none" strike="noStrike" cap="none" normalizeH="0" baseline="0" dirty="0">
+                <a:ln>
+                  <a:noFill/>
+                </a:ln>
+                <a:solidFill>
+                  <a:srgbClr val="24292E"/>
+                </a:solidFill>
+                <a:effectLst/>
+                <a:latin typeface="Arial Unicode MS"/>
+                <a:ea typeface="SFMono-Regular"/>
+              </a:rPr>
+              <a:t>GTX1060</a:t>
+            </a:r>
+            <a:r>
+              <a:rPr kumimoji="0" lang="en-US" altLang="en-US" sz="1200" b="0" i="1" u="none" strike="noStrike" cap="none" normalizeH="0" baseline="0" dirty="0">
+                <a:ln>
+                  <a:noFill/>
+                </a:ln>
+                <a:solidFill>
+                  <a:srgbClr val="24292E"/>
+                </a:solidFill>
+                <a:effectLst/>
+                <a:ea typeface="-apple-system"/>
+              </a:rPr>
+              <a:t> </a:t>
+            </a:r>
+            <a:r>
+              <a:rPr kumimoji="0" lang="en-US" altLang="en-US" sz="1200" b="0" i="1" u="none" strike="noStrike" cap="none" normalizeH="0" baseline="0" dirty="0">
+                <a:ln>
+                  <a:noFill/>
+                </a:ln>
+                <a:solidFill>
+                  <a:srgbClr val="24292E"/>
+                </a:solidFill>
+                <a:effectLst/>
+                <a:latin typeface="Arial" panose="020B0604020202020204" pitchFamily="34" charset="0"/>
+                <a:ea typeface="-apple-system"/>
+              </a:rPr>
+              <a:t>with </a:t>
+            </a:r>
+            <a:r>
+              <a:rPr kumimoji="0" lang="en-US" altLang="en-US" sz="900" b="0" i="1" u="none" strike="noStrike" cap="none" normalizeH="0" baseline="0" dirty="0">
+                <a:ln>
+                  <a:noFill/>
+                </a:ln>
+                <a:solidFill>
+                  <a:srgbClr val="24292E"/>
+                </a:solidFill>
+                <a:effectLst/>
+                <a:latin typeface="Arial Unicode MS"/>
+                <a:ea typeface="SFMono-Regular"/>
+              </a:rPr>
+              <a:t>5</a:t>
+            </a:r>
+            <a:r>
+              <a:rPr kumimoji="0" lang="en-US" altLang="en-US" sz="1200" b="0" i="1" u="none" strike="noStrike" cap="none" normalizeH="0" baseline="0" dirty="0">
+                <a:ln>
+                  <a:noFill/>
+                </a:ln>
+                <a:solidFill>
+                  <a:srgbClr val="24292E"/>
+                </a:solidFill>
+                <a:effectLst/>
+                <a:ea typeface="-apple-system"/>
+              </a:rPr>
+              <a:t> </a:t>
+            </a:r>
+            <a:r>
+              <a:rPr kumimoji="0" lang="en-US" altLang="en-US" sz="1200" b="0" i="1" u="none" strike="noStrike" cap="none" normalizeH="0" baseline="0" dirty="0">
+                <a:ln>
+                  <a:noFill/>
+                </a:ln>
+                <a:solidFill>
+                  <a:srgbClr val="24292E"/>
+                </a:solidFill>
+                <a:effectLst/>
+                <a:latin typeface="Arial" panose="020B0604020202020204" pitchFamily="34" charset="0"/>
+                <a:ea typeface="-apple-system"/>
+              </a:rPr>
+              <a:t>iterations per frame</a:t>
+            </a:r>
+            <a:r>
+              <a:rPr kumimoji="0" lang="en-US" altLang="en-US" sz="600" b="0" i="1" u="none" strike="noStrike" cap="none" normalizeH="0" baseline="0" dirty="0">
+                <a:ln>
+                  <a:noFill/>
+                </a:ln>
+                <a:solidFill>
+                  <a:schemeClr val="tx1"/>
+                </a:solidFill>
+                <a:effectLst/>
+                <a:latin typeface="Arial" panose="020B0604020202020204" pitchFamily="34" charset="0"/>
+              </a:rPr>
+              <a:t> </a:t>
+            </a:r>
+            <a:endParaRPr kumimoji="0" lang="en-US" altLang="en-US" sz="1800" b="0" i="1" u="none" strike="noStrike" cap="none" normalizeH="0" baseline="0" dirty="0">
+              <a:ln>
+                <a:noFill/>
+              </a:ln>
+              <a:solidFill>
+                <a:schemeClr val="tx1"/>
+              </a:solidFill>
+              <a:effectLst/>
+              <a:latin typeface="Arial" panose="020B0604020202020204" pitchFamily="34" charset="0"/>
+            </a:endParaRPr>
+          </a:p>
+        </p:txBody>
+      </p:sp>
+    </p:spTree>
+    <p:extLst>
+      <p:ext uri="{BB962C8B-B14F-4D97-AF65-F5344CB8AC3E}">
+        <p14:creationId xmlns:p14="http://schemas.microsoft.com/office/powerpoint/2010/main" val="3484151245"/>
+      </p:ext>
+    </p:extLst>
+  </p:cSld>
+  <p:clrMapOvr>
+    <a:masterClrMapping/>
+  </p:clrMapOvr>
+</p:sld>
+</file>
+
+<file path=ppt/slides/slide6.xml><?xml version="1.0" encoding="utf-8"?>
+<p:sld xmlns:a="http://schemas.openxmlformats.org/drawingml/2006/main" xmlns:r="http://schemas.openxmlformats.org/officeDocument/2006/relationships" xmlns:p="http://schemas.openxmlformats.org/presentationml/2006/main">
+  <p:cSld>
+    <p:spTree>
+      <p:nvGrpSpPr>
+        <p:cNvPr id="1" name="Shape 114"/>
+        <p:cNvGrpSpPr/>
+        <p:nvPr/>
+      </p:nvGrpSpPr>
+      <p:grpSpPr>
+        <a:xfrm>
+          <a:off x="0" y="0"/>
+          <a:ext cx="0" cy="0"/>
+          <a:chOff x="0" y="0"/>
+          <a:chExt cx="0" cy="0"/>
+        </a:xfrm>
+      </p:grpSpPr>
+      <p:sp>
+        <p:nvSpPr>
+          <p:cNvPr id="116" name="Google Shape;116;p15"/>
+          <p:cNvSpPr txBox="1"/>
+          <p:nvPr/>
+        </p:nvSpPr>
+        <p:spPr>
+          <a:xfrm>
+            <a:off x="716110" y="316509"/>
+            <a:ext cx="7524641" cy="438582"/>
+          </a:xfrm>
+          <a:prstGeom prst="rect">
+            <a:avLst/>
+          </a:prstGeom>
+          <a:noFill/>
+          <a:ln>
+            <a:noFill/>
+          </a:ln>
+        </p:spPr>
+        <p:txBody>
+          <a:bodyPr spcFirstLastPara="1" wrap="square" lIns="68575" tIns="34275" rIns="68575" bIns="34275" anchor="t" anchorCtr="0">
+            <a:noAutofit/>
+          </a:bodyPr>
+          <a:lstStyle/>
+          <a:p>
+            <a:pPr marL="0" marR="0" lvl="0" indent="0" algn="l" rtl="0">
+              <a:spcBef>
+                <a:spcPts val="0"/>
+              </a:spcBef>
+              <a:spcAft>
+                <a:spcPts val="0"/>
+              </a:spcAft>
+              <a:buNone/>
+            </a:pPr>
+            <a:r>
+              <a:rPr lang="en-US" sz="2400" b="1" dirty="0">
+                <a:solidFill>
+                  <a:srgbClr val="1B4367"/>
+                </a:solidFill>
+                <a:latin typeface="Calibri"/>
+                <a:ea typeface="Calibri"/>
+                <a:cs typeface="Calibri"/>
+                <a:sym typeface="Calibri"/>
+              </a:rPr>
+              <a:t>Project Show</a:t>
+            </a:r>
+            <a:endParaRPr sz="2400" b="1" dirty="0">
+              <a:solidFill>
+                <a:srgbClr val="1B4367"/>
+              </a:solidFill>
+              <a:latin typeface="Calibri"/>
+              <a:ea typeface="Calibri"/>
+              <a:cs typeface="Calibri"/>
+              <a:sym typeface="Calibri"/>
+            </a:endParaRPr>
+          </a:p>
+        </p:txBody>
+      </p:sp>
+      <p:cxnSp>
+        <p:nvCxnSpPr>
+          <p:cNvPr id="117" name="Google Shape;117;p15"/>
+          <p:cNvCxnSpPr/>
+          <p:nvPr/>
+        </p:nvCxnSpPr>
+        <p:spPr>
+          <a:xfrm>
             <a:off x="774478" y="657417"/>
             <a:ext cx="480259" cy="0"/>
           </a:xfrm>
@@ -12024,153 +13055,10 @@
           </a:ln>
         </p:spPr>
       </p:cxnSp>
-      <p:sp>
-        <p:nvSpPr>
-          <p:cNvPr id="118" name="Google Shape;118;p15"/>
-          <p:cNvSpPr txBox="1"/>
-          <p:nvPr/>
-        </p:nvSpPr>
-        <p:spPr>
-          <a:xfrm>
-            <a:off x="571143" y="1037064"/>
-            <a:ext cx="7814573" cy="3693319"/>
-          </a:xfrm>
-          <a:prstGeom prst="rect">
-            <a:avLst/>
-          </a:prstGeom>
-          <a:noFill/>
-          <a:ln>
-            <a:noFill/>
-          </a:ln>
-        </p:spPr>
-        <p:txBody>
-          <a:bodyPr spcFirstLastPara="1" wrap="square" lIns="91425" tIns="45700" rIns="91425" bIns="45700" anchor="t" anchorCtr="0">
-            <a:noAutofit/>
-          </a:bodyPr>
-          <a:lstStyle/>
-          <a:p>
-            <a:pPr marL="285750" lvl="0" indent="-285750" algn="l" rtl="0">
-              <a:spcBef>
-                <a:spcPts val="0"/>
-              </a:spcBef>
-              <a:spcAft>
-                <a:spcPts val="0"/>
-              </a:spcAft>
-              <a:buClr>
-                <a:schemeClr val="dk1"/>
-              </a:buClr>
-              <a:buSzPts val="1800"/>
-              <a:buChar char="•"/>
-            </a:pPr>
-            <a:r>
-              <a:rPr lang="en-US" sz="1800" dirty="0">
-                <a:solidFill>
-                  <a:schemeClr val="dk1"/>
-                </a:solidFill>
-                <a:latin typeface="Calibri"/>
-                <a:ea typeface="Calibri"/>
-                <a:cs typeface="Calibri"/>
-                <a:sym typeface="Calibri"/>
-              </a:rPr>
-              <a:t>Fluid</a:t>
-            </a:r>
-          </a:p>
-          <a:p>
-            <a:pPr marL="285750" lvl="0" indent="-285750" algn="l" rtl="0">
-              <a:spcBef>
-                <a:spcPts val="0"/>
-              </a:spcBef>
-              <a:spcAft>
-                <a:spcPts val="0"/>
-              </a:spcAft>
-              <a:buClr>
-                <a:schemeClr val="dk1"/>
-              </a:buClr>
-              <a:buSzPts val="1800"/>
-              <a:buChar char="•"/>
-            </a:pPr>
-            <a:r>
-              <a:rPr lang="en-US" sz="1800" dirty="0">
-                <a:solidFill>
-                  <a:schemeClr val="dk1"/>
-                </a:solidFill>
-                <a:latin typeface="Calibri"/>
-                <a:ea typeface="Calibri"/>
-                <a:cs typeface="Calibri"/>
-                <a:sym typeface="Calibri"/>
-              </a:rPr>
-              <a:t>Rigid Body</a:t>
-            </a:r>
-          </a:p>
-          <a:p>
-            <a:pPr marL="285750" lvl="0" indent="-285750" algn="l" rtl="0">
-              <a:spcBef>
-                <a:spcPts val="0"/>
-              </a:spcBef>
-              <a:spcAft>
-                <a:spcPts val="0"/>
-              </a:spcAft>
-              <a:buClr>
-                <a:schemeClr val="dk1"/>
-              </a:buClr>
-              <a:buSzPts val="1800"/>
-              <a:buChar char="•"/>
-            </a:pPr>
-            <a:r>
-              <a:rPr lang="en-US" sz="1800" dirty="0">
-                <a:solidFill>
-                  <a:schemeClr val="dk1"/>
-                </a:solidFill>
-                <a:latin typeface="Calibri"/>
-                <a:ea typeface="Calibri"/>
-                <a:cs typeface="Calibri"/>
-                <a:sym typeface="Calibri"/>
-              </a:rPr>
-              <a:t>Mass Spring</a:t>
-            </a:r>
-          </a:p>
-          <a:p>
-            <a:pPr marL="285750" lvl="0" indent="-285750" algn="l" rtl="0">
-              <a:spcBef>
-                <a:spcPts val="0"/>
-              </a:spcBef>
-              <a:spcAft>
-                <a:spcPts val="0"/>
-              </a:spcAft>
-              <a:buClr>
-                <a:schemeClr val="dk1"/>
-              </a:buClr>
-              <a:buSzPts val="1800"/>
-              <a:buChar char="•"/>
-            </a:pPr>
-            <a:r>
-              <a:rPr lang="en-US" sz="1800" dirty="0">
-                <a:solidFill>
-                  <a:schemeClr val="dk1"/>
-                </a:solidFill>
-                <a:latin typeface="Calibri"/>
-                <a:ea typeface="Calibri"/>
-                <a:cs typeface="Calibri"/>
-                <a:sym typeface="Calibri"/>
-              </a:rPr>
-              <a:t>Performance</a:t>
-            </a:r>
-            <a:endParaRPr sz="1800" dirty="0">
-              <a:solidFill>
-                <a:schemeClr val="dk1"/>
-              </a:solidFill>
-              <a:latin typeface="Calibri"/>
-              <a:ea typeface="Calibri"/>
-              <a:cs typeface="Calibri"/>
-              <a:sym typeface="Calibri"/>
-            </a:endParaRPr>
-          </a:p>
-        </p:txBody>
-      </p:sp>
     </p:spTree>
     <p:extLst>
       <p:ext uri="{BB962C8B-B14F-4D97-AF65-F5344CB8AC3E}">
-        <p14:creationId xmlns:p14="http://schemas.microsoft.com/office/powerpoint/2010/main" val="3484151245"/>
+        <p14:creationId xmlns:p14="http://schemas.microsoft.com/office/powerpoint/2010/main" val="2084812395"/>
       </p:ext>
     </p:extLst>
   </p:cSld>

--- a/PositionBasedFluidSimulation.pptx
+++ b/PositionBasedFluidSimulation.pptx
@@ -5,15 +5,16 @@
     <p:sldMasterId id="2147483658" r:id="rId1"/>
   </p:sldMasterIdLst>
   <p:notesMasterIdLst>
-    <p:notesMasterId r:id="rId8"/>
+    <p:notesMasterId r:id="rId9"/>
   </p:notesMasterIdLst>
   <p:sldIdLst>
     <p:sldId id="256" r:id="rId2"/>
     <p:sldId id="258" r:id="rId3"/>
     <p:sldId id="259" r:id="rId4"/>
-    <p:sldId id="286" r:id="rId5"/>
-    <p:sldId id="287" r:id="rId6"/>
-    <p:sldId id="288" r:id="rId7"/>
+    <p:sldId id="292" r:id="rId5"/>
+    <p:sldId id="286" r:id="rId6"/>
+    <p:sldId id="287" r:id="rId7"/>
+    <p:sldId id="288" r:id="rId8"/>
   </p:sldIdLst>
   <p:sldSz cx="9144000" cy="5143500" type="screen16x9"/>
   <p:notesSz cx="6858000" cy="9144000"/>
@@ -263,6 +264,32 @@
     </p:ext>
   </p:extLst>
 </p:presentation>
+</file>
+
+<file path=ppt/commentAuthors.xml><?xml version="1.0" encoding="utf-8"?>
+<p:cmAuthorLst xmlns:a="http://schemas.openxmlformats.org/drawingml/2006/main" xmlns:r="http://schemas.openxmlformats.org/officeDocument/2006/relationships" xmlns:p="http://schemas.openxmlformats.org/presentationml/2006/main">
+  <p:cmAuthor id="1" name="刘 兆蓬" initials="刘" lastIdx="1" clrIdx="0">
+    <p:extLst>
+      <p:ext uri="{19B8F6BF-5375-455C-9EA6-DF929625EA0E}">
+        <p15:presenceInfo xmlns:p15="http://schemas.microsoft.com/office/powerpoint/2012/main" userId="a7600f895f0e163f" providerId="Windows Live"/>
+      </p:ext>
+    </p:extLst>
+  </p:cmAuthor>
+</p:cmAuthorLst>
+</file>
+
+<file path=ppt/comments/comment1.xml><?xml version="1.0" encoding="utf-8"?>
+<p:cmLst xmlns:a="http://schemas.openxmlformats.org/drawingml/2006/main" xmlns:r="http://schemas.openxmlformats.org/officeDocument/2006/relationships" xmlns:p="http://schemas.openxmlformats.org/presentationml/2006/main">
+  <p:cm authorId="1" dt="2019-04-11T11:13:00.946" idx="1">
+    <p:pos x="10" y="10"/>
+    <p:text/>
+    <p:extLst>
+      <p:ext uri="{C676402C-5697-4E1C-873F-D02D1690AC5C}">
+        <p15:threadingInfo xmlns:p15="http://schemas.microsoft.com/office/powerpoint/2012/main" timeZoneBias="-120"/>
+      </p:ext>
+    </p:extLst>
+  </p:cm>
+</p:cmLst>
 </file>
 
 <file path=ppt/notesMasters/notesMaster1.xml><?xml version="1.0" encoding="utf-8"?>
@@ -2101,7 +2128,7 @@
     </p:spTree>
     <p:extLst>
       <p:ext uri="{BB962C8B-B14F-4D97-AF65-F5344CB8AC3E}">
-        <p14:creationId xmlns:p14="http://schemas.microsoft.com/office/powerpoint/2010/main" val="3420688211"/>
+        <p14:creationId xmlns:p14="http://schemas.microsoft.com/office/powerpoint/2010/main" val="151553871"/>
       </p:ext>
     </p:extLst>
   </p:cSld>
@@ -2270,7 +2297,7 @@
     </p:spTree>
     <p:extLst>
       <p:ext uri="{BB962C8B-B14F-4D97-AF65-F5344CB8AC3E}">
-        <p14:creationId xmlns:p14="http://schemas.microsoft.com/office/powerpoint/2010/main" val="2767941498"/>
+        <p14:creationId xmlns:p14="http://schemas.microsoft.com/office/powerpoint/2010/main" val="3420688211"/>
       </p:ext>
     </p:extLst>
   </p:cSld>
@@ -2431,6 +2458,175 @@
             <a:fld id="{00000000-1234-1234-1234-123412341234}" type="slidenum">
               <a:rPr lang="en-GB"/>
               <a:t>6</a:t>
+            </a:fld>
+            <a:endParaRPr/>
+          </a:p>
+        </p:txBody>
+      </p:sp>
+    </p:spTree>
+    <p:extLst>
+      <p:ext uri="{BB962C8B-B14F-4D97-AF65-F5344CB8AC3E}">
+        <p14:creationId xmlns:p14="http://schemas.microsoft.com/office/powerpoint/2010/main" val="2767941498"/>
+      </p:ext>
+    </p:extLst>
+  </p:cSld>
+  <p:clrMapOvr>
+    <a:masterClrMapping/>
+  </p:clrMapOvr>
+</p:notes>
+</file>
+
+<file path=ppt/notesSlides/notesSlide7.xml><?xml version="1.0" encoding="utf-8"?>
+<p:notes xmlns:a="http://schemas.openxmlformats.org/drawingml/2006/main" xmlns:r="http://schemas.openxmlformats.org/officeDocument/2006/relationships" xmlns:p="http://schemas.openxmlformats.org/presentationml/2006/main" showMasterSp="0" showMasterPhAnim="0">
+  <p:cSld>
+    <p:spTree>
+      <p:nvGrpSpPr>
+        <p:cNvPr id="1" name="Shape 110"/>
+        <p:cNvGrpSpPr/>
+        <p:nvPr/>
+      </p:nvGrpSpPr>
+      <p:grpSpPr>
+        <a:xfrm>
+          <a:off x="0" y="0"/>
+          <a:ext cx="0" cy="0"/>
+          <a:chOff x="0" y="0"/>
+          <a:chExt cx="0" cy="0"/>
+        </a:xfrm>
+      </p:grpSpPr>
+      <p:sp>
+        <p:nvSpPr>
+          <p:cNvPr id="111" name="Google Shape;111;p3:notes"/>
+          <p:cNvSpPr>
+            <a:spLocks noGrp="1" noRot="1" noChangeAspect="1"/>
+          </p:cNvSpPr>
+          <p:nvPr>
+            <p:ph type="sldImg" idx="2"/>
+          </p:nvPr>
+        </p:nvSpPr>
+        <p:spPr>
+          <a:xfrm>
+            <a:off x="685800" y="1143000"/>
+            <a:ext cx="5486400" cy="3086100"/>
+          </a:xfrm>
+          <a:custGeom>
+            <a:avLst/>
+            <a:gdLst/>
+            <a:ahLst/>
+            <a:cxnLst/>
+            <a:rect l="l" t="t" r="r" b="b"/>
+            <a:pathLst>
+              <a:path w="120000" h="120000" extrusionOk="0">
+                <a:moveTo>
+                  <a:pt x="0" y="0"/>
+                </a:moveTo>
+                <a:lnTo>
+                  <a:pt x="120000" y="0"/>
+                </a:lnTo>
+                <a:lnTo>
+                  <a:pt x="120000" y="120000"/>
+                </a:lnTo>
+                <a:lnTo>
+                  <a:pt x="0" y="120000"/>
+                </a:lnTo>
+                <a:close/>
+              </a:path>
+            </a:pathLst>
+          </a:custGeom>
+          <a:noFill/>
+          <a:ln w="12700" cap="flat" cmpd="sng">
+            <a:solidFill>
+              <a:srgbClr val="000000"/>
+            </a:solidFill>
+            <a:prstDash val="solid"/>
+            <a:round/>
+            <a:headEnd type="none" w="sm" len="sm"/>
+            <a:tailEnd type="none" w="sm" len="sm"/>
+          </a:ln>
+        </p:spPr>
+      </p:sp>
+      <p:sp>
+        <p:nvSpPr>
+          <p:cNvPr id="112" name="Google Shape;112;p3:notes"/>
+          <p:cNvSpPr txBox="1">
+            <a:spLocks noGrp="1"/>
+          </p:cNvSpPr>
+          <p:nvPr>
+            <p:ph type="body" idx="1"/>
+          </p:nvPr>
+        </p:nvSpPr>
+        <p:spPr>
+          <a:xfrm>
+            <a:off x="685800" y="4400550"/>
+            <a:ext cx="5486400" cy="3600450"/>
+          </a:xfrm>
+          <a:prstGeom prst="rect">
+            <a:avLst/>
+          </a:prstGeom>
+          <a:noFill/>
+          <a:ln>
+            <a:noFill/>
+          </a:ln>
+        </p:spPr>
+        <p:txBody>
+          <a:bodyPr spcFirstLastPara="1" wrap="square" lIns="91425" tIns="45700" rIns="91425" bIns="45700" anchor="t" anchorCtr="0">
+            <a:noAutofit/>
+          </a:bodyPr>
+          <a:lstStyle/>
+          <a:p>
+            <a:pPr marL="0" lvl="0" indent="0" algn="l" rtl="0">
+              <a:spcBef>
+                <a:spcPts val="0"/>
+              </a:spcBef>
+              <a:spcAft>
+                <a:spcPts val="0"/>
+              </a:spcAft>
+              <a:buNone/>
+            </a:pPr>
+            <a:endParaRPr/>
+          </a:p>
+        </p:txBody>
+      </p:sp>
+      <p:sp>
+        <p:nvSpPr>
+          <p:cNvPr id="113" name="Google Shape;113;p3:notes"/>
+          <p:cNvSpPr txBox="1">
+            <a:spLocks noGrp="1"/>
+          </p:cNvSpPr>
+          <p:nvPr>
+            <p:ph type="sldNum" idx="12"/>
+          </p:nvPr>
+        </p:nvSpPr>
+        <p:spPr>
+          <a:xfrm>
+            <a:off x="3884613" y="8685213"/>
+            <a:ext cx="2971800" cy="458787"/>
+          </a:xfrm>
+          <a:prstGeom prst="rect">
+            <a:avLst/>
+          </a:prstGeom>
+          <a:noFill/>
+          <a:ln>
+            <a:noFill/>
+          </a:ln>
+        </p:spPr>
+        <p:txBody>
+          <a:bodyPr spcFirstLastPara="1" wrap="square" lIns="91425" tIns="45700" rIns="91425" bIns="45700" anchor="b" anchorCtr="0">
+            <a:noAutofit/>
+          </a:bodyPr>
+          <a:lstStyle/>
+          <a:p>
+            <a:pPr marL="0" lvl="0" indent="0" algn="r" rtl="0">
+              <a:spcBef>
+                <a:spcPts val="0"/>
+              </a:spcBef>
+              <a:spcAft>
+                <a:spcPts val="0"/>
+              </a:spcAft>
+              <a:buNone/>
+            </a:pPr>
+            <a:fld id="{00000000-1234-1234-1234-123412341234}" type="slidenum">
+              <a:rPr lang="en-GB"/>
+              <a:t>7</a:t>
             </a:fld>
             <a:endParaRPr/>
           </a:p>
@@ -11410,7 +11606,27 @@
             </a:pPr>
             <a:r>
               <a:rPr lang="en-US" b="1" dirty="0"/>
-              <a:t>Paper: Position Based Fluids</a:t>
+              <a:t>Paper: </a:t>
+            </a:r>
+            <a:r>
+              <a:rPr lang="en-US" altLang="zh-CN" dirty="0"/>
+              <a:t>Miles </a:t>
+            </a:r>
+            <a:r>
+              <a:rPr lang="en-US" altLang="zh-CN" dirty="0" smtClean="0"/>
+              <a:t>Macklin </a:t>
+            </a:r>
+            <a:r>
+              <a:rPr lang="en-US" altLang="zh-CN" dirty="0"/>
+              <a:t>Matthias Muller </a:t>
+            </a:r>
+            <a:r>
+              <a:rPr lang="en-US" b="1" dirty="0" smtClean="0"/>
+              <a:t>Position </a:t>
+            </a:r>
+            <a:r>
+              <a:rPr lang="en-US" b="1" dirty="0"/>
+              <a:t>Based Fluids</a:t>
             </a:r>
           </a:p>
           <a:p>
@@ -11500,7 +11716,7 @@
         </p:blipFill>
         <p:spPr>
           <a:xfrm>
-            <a:off x="1610915" y="859393"/>
+            <a:off x="2807494" y="657417"/>
             <a:ext cx="5879306" cy="3235048"/>
           </a:xfrm>
           <a:prstGeom prst="rect">
@@ -11508,6 +11724,158 @@
           </a:prstGeom>
         </p:spPr>
       </p:pic>
+      <p:sp>
+        <p:nvSpPr>
+          <p:cNvPr id="6" name="Google Shape;118;p15"/>
+          <p:cNvSpPr txBox="1"/>
+          <p:nvPr/>
+        </p:nvSpPr>
+        <p:spPr>
+          <a:xfrm>
+            <a:off x="550360" y="908924"/>
+            <a:ext cx="2451258" cy="3192110"/>
+          </a:xfrm>
+          <a:prstGeom prst="rect">
+            <a:avLst/>
+          </a:prstGeom>
+          <a:noFill/>
+          <a:ln>
+            <a:noFill/>
+          </a:ln>
+        </p:spPr>
+        <p:txBody>
+          <a:bodyPr spcFirstLastPara="1" wrap="square" lIns="91425" tIns="45700" rIns="91425" bIns="45700" anchor="t" anchorCtr="0">
+            <a:noAutofit/>
+          </a:bodyPr>
+          <a:lstStyle/>
+          <a:p>
+            <a:pPr marL="285750" indent="-285750">
+              <a:buClr>
+                <a:schemeClr val="dk1"/>
+              </a:buClr>
+              <a:buSzPts val="1800"/>
+              <a:buFont typeface="Arial"/>
+              <a:buChar char="•"/>
+            </a:pPr>
+            <a:r>
+              <a:rPr lang="en-US" sz="1800" dirty="0" smtClean="0">
+                <a:solidFill>
+                  <a:schemeClr val="dk1"/>
+                </a:solidFill>
+                <a:latin typeface="Calibri"/>
+                <a:ea typeface="Calibri"/>
+                <a:cs typeface="Calibri"/>
+                <a:sym typeface="Calibri"/>
+              </a:rPr>
+              <a:t>Fluid simulation</a:t>
+            </a:r>
+          </a:p>
+          <a:p>
+            <a:pPr marL="285750" indent="-285750">
+              <a:buClr>
+                <a:schemeClr val="dk1"/>
+              </a:buClr>
+              <a:buSzPts val="1800"/>
+              <a:buFont typeface="Arial"/>
+              <a:buChar char="•"/>
+            </a:pPr>
+            <a:r>
+              <a:rPr lang="en-US" sz="1800" dirty="0" smtClean="0">
+                <a:solidFill>
+                  <a:schemeClr val="dk1"/>
+                </a:solidFill>
+                <a:latin typeface="Calibri"/>
+                <a:ea typeface="Calibri"/>
+                <a:cs typeface="Calibri"/>
+                <a:sym typeface="Calibri"/>
+              </a:rPr>
+              <a:t>Fluid – rigid body interaction</a:t>
+            </a:r>
+          </a:p>
+          <a:p>
+            <a:pPr marL="285750" indent="-285750">
+              <a:buClr>
+                <a:schemeClr val="dk1"/>
+              </a:buClr>
+              <a:buSzPts val="1800"/>
+              <a:buFont typeface="Arial"/>
+              <a:buChar char="•"/>
+            </a:pPr>
+            <a:r>
+              <a:rPr lang="en-US" sz="1800" dirty="0" smtClean="0">
+                <a:solidFill>
+                  <a:schemeClr val="dk1"/>
+                </a:solidFill>
+                <a:latin typeface="Calibri"/>
+                <a:ea typeface="Calibri"/>
+                <a:cs typeface="Calibri"/>
+                <a:sym typeface="Calibri"/>
+              </a:rPr>
+              <a:t>Fluid – Cloth interaction</a:t>
+            </a:r>
+          </a:p>
+          <a:p>
+            <a:pPr marL="285750" indent="-285750">
+              <a:buClr>
+                <a:schemeClr val="dk1"/>
+              </a:buClr>
+              <a:buSzPts val="1800"/>
+              <a:buFont typeface="Arial"/>
+              <a:buChar char="•"/>
+            </a:pPr>
+            <a:r>
+              <a:rPr lang="en-US" sz="1800" dirty="0" smtClean="0">
+                <a:solidFill>
+                  <a:schemeClr val="dk1"/>
+                </a:solidFill>
+                <a:latin typeface="Calibri"/>
+                <a:ea typeface="Calibri"/>
+                <a:cs typeface="Calibri"/>
+                <a:sym typeface="Calibri"/>
+              </a:rPr>
+              <a:t>Fluid surface reconstruction</a:t>
+            </a:r>
+          </a:p>
+          <a:p>
+            <a:pPr marL="285750" indent="-285750">
+              <a:buClr>
+                <a:schemeClr val="dk1"/>
+              </a:buClr>
+              <a:buSzPts val="1800"/>
+              <a:buFont typeface="Arial"/>
+              <a:buChar char="•"/>
+            </a:pPr>
+            <a:endParaRPr lang="en-US" sz="1800" dirty="0">
+              <a:solidFill>
+                <a:schemeClr val="dk1"/>
+              </a:solidFill>
+              <a:latin typeface="Calibri"/>
+              <a:ea typeface="Calibri"/>
+              <a:cs typeface="Calibri"/>
+              <a:sym typeface="Calibri"/>
+            </a:endParaRPr>
+          </a:p>
+          <a:p>
+            <a:pPr marL="285750" indent="-285750">
+              <a:buClr>
+                <a:schemeClr val="dk1"/>
+              </a:buClr>
+              <a:buSzPts val="1800"/>
+              <a:buFont typeface="Arial"/>
+              <a:buChar char="•"/>
+            </a:pPr>
+            <a:endParaRPr sz="1800" dirty="0">
+              <a:solidFill>
+                <a:schemeClr val="dk1"/>
+              </a:solidFill>
+              <a:latin typeface="Calibri"/>
+              <a:ea typeface="Calibri"/>
+              <a:cs typeface="Calibri"/>
+              <a:sym typeface="Calibri"/>
+            </a:endParaRPr>
+          </a:p>
+        </p:txBody>
+      </p:sp>
     </p:spTree>
   </p:cSld>
   <p:clrMapOvr>
@@ -11625,8 +11993,8 @@
         </p:nvSpPr>
         <p:spPr>
           <a:xfrm>
-            <a:off x="571143" y="1037064"/>
-            <a:ext cx="7814573" cy="3693319"/>
+            <a:off x="571143" y="873433"/>
+            <a:ext cx="5047779" cy="351383"/>
           </a:xfrm>
           <a:prstGeom prst="rect">
             <a:avLst/>
@@ -11651,7 +12019,7 @@
               <a:buChar char="•"/>
             </a:pPr>
             <a:r>
-              <a:rPr lang="en-US" sz="1800" dirty="0">
+              <a:rPr lang="en-US" sz="1800" dirty="0" smtClean="0">
                 <a:solidFill>
                   <a:schemeClr val="dk1"/>
                 </a:solidFill>
@@ -11660,91 +12028,7 @@
                 <a:cs typeface="Calibri"/>
                 <a:sym typeface="Calibri"/>
               </a:rPr>
-              <a:t>Smoothed Particle Hydrodynamics (SPH)</a:t>
-            </a:r>
-          </a:p>
-          <a:p>
-            <a:pPr marL="285750" lvl="0" indent="-285750">
-              <a:buClr>
-                <a:schemeClr val="dk1"/>
-              </a:buClr>
-              <a:buSzPts val="1800"/>
-              <a:buChar char="•"/>
-            </a:pPr>
-            <a:r>
-              <a:rPr lang="en-US" sz="1800" dirty="0">
-                <a:solidFill>
-                  <a:schemeClr val="dk1"/>
-                </a:solidFill>
-                <a:latin typeface="Calibri"/>
-                <a:ea typeface="Calibri"/>
-                <a:cs typeface="Calibri"/>
-                <a:sym typeface="Calibri"/>
-              </a:rPr>
-              <a:t>Constraint</a:t>
-            </a:r>
-          </a:p>
-          <a:p>
-            <a:pPr marL="285750" lvl="8" indent="-285750">
-              <a:buClr>
-                <a:schemeClr val="dk1"/>
-              </a:buClr>
-              <a:buSzPts val="1800"/>
-              <a:buChar char="•"/>
-            </a:pPr>
-            <a:r>
-              <a:rPr lang="en-US" sz="1800" dirty="0">
-                <a:solidFill>
-                  <a:schemeClr val="dk1"/>
-                </a:solidFill>
-                <a:latin typeface="Calibri"/>
-                <a:ea typeface="Calibri"/>
-                <a:cs typeface="Calibri"/>
-                <a:sym typeface="Calibri"/>
-              </a:rPr>
-              <a:t>Intensity is incompressible</a:t>
-            </a:r>
-          </a:p>
-          <a:p>
-            <a:pPr marL="285750" lvl="4" indent="-285750">
-              <a:buClr>
-                <a:schemeClr val="dk1"/>
-              </a:buClr>
-              <a:buSzPts val="1800"/>
-              <a:buChar char="•"/>
-            </a:pPr>
-            <a:r>
-              <a:rPr lang="en-US" sz="1800" dirty="0">
-                <a:solidFill>
-                  <a:schemeClr val="dk1"/>
-                </a:solidFill>
-                <a:latin typeface="Calibri"/>
-                <a:ea typeface="Calibri"/>
-                <a:cs typeface="Calibri"/>
-                <a:sym typeface="Calibri"/>
-              </a:rPr>
-              <a:t>Integration</a:t>
-            </a:r>
-          </a:p>
-          <a:p>
-            <a:pPr marL="285750" lvl="0" indent="-285750">
-              <a:buClr>
-                <a:schemeClr val="dk1"/>
-              </a:buClr>
-              <a:buSzPts val="1800"/>
-              <a:buChar char="•"/>
-            </a:pPr>
-            <a:r>
-              <a:rPr lang="en-US" sz="1800" dirty="0">
-                <a:solidFill>
-                  <a:schemeClr val="dk1"/>
-                </a:solidFill>
-                <a:latin typeface="Calibri"/>
-                <a:ea typeface="Calibri"/>
-                <a:cs typeface="Calibri"/>
-                <a:sym typeface="Calibri"/>
-              </a:rPr>
-              <a:t>Position based</a:t>
+              <a:t>Use neighbor particles to local estimate density.</a:t>
             </a:r>
             <a:endParaRPr sz="1800" dirty="0">
               <a:solidFill>
@@ -11758,6 +12042,383 @@
           </a:p>
         </p:txBody>
       </p:sp>
+      <p:pic>
+        <p:nvPicPr>
+          <p:cNvPr id="2" name="Picture 1"/>
+          <p:cNvPicPr>
+            <a:picLocks noChangeAspect="1"/>
+          </p:cNvPicPr>
+          <p:nvPr/>
+        </p:nvPicPr>
+        <p:blipFill>
+          <a:blip r:embed="rId3"/>
+          <a:stretch>
+            <a:fillRect/>
+          </a:stretch>
+        </p:blipFill>
+        <p:spPr>
+          <a:xfrm>
+            <a:off x="2570760" y="1356353"/>
+            <a:ext cx="1477711" cy="450064"/>
+          </a:xfrm>
+          <a:prstGeom prst="rect">
+            <a:avLst/>
+          </a:prstGeom>
+        </p:spPr>
+      </p:pic>
+      <p:pic>
+        <p:nvPicPr>
+          <p:cNvPr id="3" name="Picture 2"/>
+          <p:cNvPicPr>
+            <a:picLocks noChangeAspect="1"/>
+          </p:cNvPicPr>
+          <p:nvPr/>
+        </p:nvPicPr>
+        <p:blipFill>
+          <a:blip r:embed="rId4"/>
+          <a:stretch>
+            <a:fillRect/>
+          </a:stretch>
+        </p:blipFill>
+        <p:spPr>
+          <a:xfrm>
+            <a:off x="5510653" y="1308807"/>
+            <a:ext cx="3531046" cy="2744800"/>
+          </a:xfrm>
+          <a:prstGeom prst="rect">
+            <a:avLst/>
+          </a:prstGeom>
+        </p:spPr>
+      </p:pic>
+      <p:sp>
+        <p:nvSpPr>
+          <p:cNvPr id="6" name="Rectangle 5"/>
+          <p:cNvSpPr/>
+          <p:nvPr/>
+        </p:nvSpPr>
+        <p:spPr>
+          <a:xfrm>
+            <a:off x="663100" y="4527868"/>
+            <a:ext cx="7301455" cy="307777"/>
+          </a:xfrm>
+          <a:prstGeom prst="rect">
+            <a:avLst/>
+          </a:prstGeom>
+        </p:spPr>
+        <p:txBody>
+          <a:bodyPr wrap="square">
+            <a:spAutoFit/>
+          </a:bodyPr>
+          <a:lstStyle/>
+          <a:p>
+            <a:r>
+              <a:rPr lang="en-US" altLang="zh-CN" dirty="0">
+                <a:hlinkClick r:id="rId5"/>
+              </a:rPr>
+              <a:t>https://ascelibrary.org/doi/abs/10.1061/%28ASCE%29HY.1943-7900.0001163</a:t>
+            </a:r>
+            <a:endParaRPr lang="zh-CN" altLang="en-US" dirty="0"/>
+          </a:p>
+        </p:txBody>
+      </p:sp>
+      <p:sp>
+        <p:nvSpPr>
+          <p:cNvPr id="7" name="TextBox 6"/>
+          <p:cNvSpPr txBox="1"/>
+          <p:nvPr/>
+        </p:nvSpPr>
+        <p:spPr>
+          <a:xfrm>
+            <a:off x="888388" y="1429629"/>
+            <a:ext cx="1309974" cy="307777"/>
+          </a:xfrm>
+          <a:prstGeom prst="rect">
+            <a:avLst/>
+          </a:prstGeom>
+          <a:noFill/>
+        </p:spPr>
+        <p:txBody>
+          <a:bodyPr wrap="none" rtlCol="0">
+            <a:spAutoFit/>
+          </a:bodyPr>
+          <a:lstStyle/>
+          <a:p>
+            <a:r>
+              <a:rPr lang="en-US" altLang="zh-CN" dirty="0" smtClean="0"/>
+              <a:t>Local Density:</a:t>
+            </a:r>
+            <a:endParaRPr lang="zh-CN" altLang="en-US" dirty="0"/>
+          </a:p>
+        </p:txBody>
+      </p:sp>
+      <p:sp>
+        <p:nvSpPr>
+          <p:cNvPr id="11" name="TextBox 10"/>
+          <p:cNvSpPr txBox="1"/>
+          <p:nvPr/>
+        </p:nvSpPr>
+        <p:spPr>
+          <a:xfrm>
+            <a:off x="888388" y="1841762"/>
+            <a:ext cx="1697901" cy="307777"/>
+          </a:xfrm>
+          <a:prstGeom prst="rect">
+            <a:avLst/>
+          </a:prstGeom>
+          <a:noFill/>
+        </p:spPr>
+        <p:txBody>
+          <a:bodyPr wrap="none" rtlCol="0">
+            <a:spAutoFit/>
+          </a:bodyPr>
+          <a:lstStyle/>
+          <a:p>
+            <a:r>
+              <a:rPr lang="en-US" altLang="zh-CN" dirty="0" smtClean="0"/>
+              <a:t>Density Constraint:</a:t>
+            </a:r>
+            <a:endParaRPr lang="zh-CN" altLang="en-US" dirty="0"/>
+          </a:p>
+        </p:txBody>
+      </p:sp>
+      <p:pic>
+        <p:nvPicPr>
+          <p:cNvPr id="8" name="Picture 7"/>
+          <p:cNvPicPr>
+            <a:picLocks noChangeAspect="1"/>
+          </p:cNvPicPr>
+          <p:nvPr/>
+        </p:nvPicPr>
+        <p:blipFill>
+          <a:blip r:embed="rId6"/>
+          <a:stretch>
+            <a:fillRect/>
+          </a:stretch>
+        </p:blipFill>
+        <p:spPr>
+          <a:xfrm>
+            <a:off x="2586289" y="1856692"/>
+            <a:ext cx="1395954" cy="423986"/>
+          </a:xfrm>
+          <a:prstGeom prst="rect">
+            <a:avLst/>
+          </a:prstGeom>
+        </p:spPr>
+      </p:pic>
+      <p:sp>
+        <p:nvSpPr>
+          <p:cNvPr id="13" name="Google Shape;118;p15"/>
+          <p:cNvSpPr txBox="1"/>
+          <p:nvPr/>
+        </p:nvSpPr>
+        <p:spPr>
+          <a:xfrm>
+            <a:off x="571143" y="2306602"/>
+            <a:ext cx="5047779" cy="369911"/>
+          </a:xfrm>
+          <a:prstGeom prst="rect">
+            <a:avLst/>
+          </a:prstGeom>
+          <a:noFill/>
+          <a:ln>
+            <a:noFill/>
+          </a:ln>
+        </p:spPr>
+        <p:txBody>
+          <a:bodyPr spcFirstLastPara="1" wrap="square" lIns="91425" tIns="45700" rIns="91425" bIns="45700" anchor="t" anchorCtr="0">
+            <a:noAutofit/>
+          </a:bodyPr>
+          <a:lstStyle/>
+          <a:p>
+            <a:pPr marL="285750" indent="-285750">
+              <a:buClr>
+                <a:schemeClr val="dk1"/>
+              </a:buClr>
+              <a:buSzPts val="1800"/>
+              <a:buFont typeface="Arial"/>
+              <a:buChar char="•"/>
+            </a:pPr>
+            <a:r>
+              <a:rPr lang="en-US" sz="1800" dirty="0" smtClean="0">
+                <a:solidFill>
+                  <a:schemeClr val="dk1"/>
+                </a:solidFill>
+                <a:latin typeface="Calibri"/>
+                <a:ea typeface="Calibri"/>
+                <a:cs typeface="Calibri"/>
+                <a:sym typeface="Calibri"/>
+              </a:rPr>
+              <a:t>Position Based Constraint Solution</a:t>
+            </a:r>
+            <a:endParaRPr sz="1800" dirty="0">
+              <a:solidFill>
+                <a:schemeClr val="dk1"/>
+              </a:solidFill>
+              <a:latin typeface="Calibri"/>
+              <a:ea typeface="Calibri"/>
+              <a:cs typeface="Calibri"/>
+              <a:sym typeface="Calibri"/>
+            </a:endParaRPr>
+          </a:p>
+        </p:txBody>
+      </p:sp>
+      <p:sp>
+        <p:nvSpPr>
+          <p:cNvPr id="14" name="TextBox 13"/>
+          <p:cNvSpPr txBox="1"/>
+          <p:nvPr/>
+        </p:nvSpPr>
+        <p:spPr>
+          <a:xfrm>
+            <a:off x="888388" y="2623800"/>
+            <a:ext cx="4046301" cy="738664"/>
+          </a:xfrm>
+          <a:prstGeom prst="rect">
+            <a:avLst/>
+          </a:prstGeom>
+          <a:noFill/>
+        </p:spPr>
+        <p:txBody>
+          <a:bodyPr wrap="none" rtlCol="0">
+            <a:spAutoFit/>
+          </a:bodyPr>
+          <a:lstStyle/>
+          <a:p>
+            <a:r>
+              <a:rPr lang="en-US" altLang="zh-CN" dirty="0" smtClean="0"/>
+              <a:t>For each particle:</a:t>
+            </a:r>
+          </a:p>
+          <a:p>
+            <a:r>
+              <a:rPr lang="en-US" altLang="zh-CN" dirty="0" smtClean="0"/>
+              <a:t>        solve position constraints (</a:t>
+            </a:r>
+            <a:r>
+              <a:rPr lang="en-US" altLang="zh-CN" dirty="0"/>
+              <a:t>implicit </a:t>
+            </a:r>
+            <a:r>
+              <a:rPr lang="en-US" altLang="zh-CN" dirty="0" smtClean="0"/>
+              <a:t>velocity).</a:t>
+            </a:r>
+          </a:p>
+          <a:p>
+            <a:endParaRPr lang="zh-CN" altLang="en-US" dirty="0"/>
+          </a:p>
+        </p:txBody>
+      </p:sp>
+      <p:sp>
+        <p:nvSpPr>
+          <p:cNvPr id="15" name="Google Shape;118;p15"/>
+          <p:cNvSpPr txBox="1"/>
+          <p:nvPr/>
+        </p:nvSpPr>
+        <p:spPr>
+          <a:xfrm>
+            <a:off x="571143" y="3076171"/>
+            <a:ext cx="5047779" cy="369911"/>
+          </a:xfrm>
+          <a:prstGeom prst="rect">
+            <a:avLst/>
+          </a:prstGeom>
+          <a:noFill/>
+          <a:ln>
+            <a:noFill/>
+          </a:ln>
+        </p:spPr>
+        <p:txBody>
+          <a:bodyPr spcFirstLastPara="1" wrap="square" lIns="91425" tIns="45700" rIns="91425" bIns="45700" anchor="t" anchorCtr="0">
+            <a:noAutofit/>
+          </a:bodyPr>
+          <a:lstStyle/>
+          <a:p>
+            <a:pPr marL="285750" indent="-285750">
+              <a:buClr>
+                <a:schemeClr val="dk1"/>
+              </a:buClr>
+              <a:buSzPts val="1800"/>
+              <a:buFont typeface="Arial"/>
+              <a:buChar char="•"/>
+            </a:pPr>
+            <a:r>
+              <a:rPr lang="en-US" sz="1800" dirty="0" smtClean="0">
+                <a:solidFill>
+                  <a:schemeClr val="dk1"/>
+                </a:solidFill>
+                <a:latin typeface="Calibri"/>
+                <a:ea typeface="Calibri"/>
+                <a:cs typeface="Calibri"/>
+                <a:sym typeface="Calibri"/>
+              </a:rPr>
+              <a:t>Position Based Time Integration</a:t>
+            </a:r>
+            <a:endParaRPr sz="1800" dirty="0">
+              <a:solidFill>
+                <a:schemeClr val="dk1"/>
+              </a:solidFill>
+              <a:latin typeface="Calibri"/>
+              <a:ea typeface="Calibri"/>
+              <a:cs typeface="Calibri"/>
+              <a:sym typeface="Calibri"/>
+            </a:endParaRPr>
+          </a:p>
+        </p:txBody>
+      </p:sp>
+      <p:sp>
+        <p:nvSpPr>
+          <p:cNvPr id="17" name="TextBox 16"/>
+          <p:cNvSpPr txBox="1"/>
+          <p:nvPr/>
+        </p:nvSpPr>
+        <p:spPr>
+          <a:xfrm>
+            <a:off x="891547" y="3392159"/>
+            <a:ext cx="2569934" cy="738664"/>
+          </a:xfrm>
+          <a:prstGeom prst="rect">
+            <a:avLst/>
+          </a:prstGeom>
+          <a:noFill/>
+        </p:spPr>
+        <p:txBody>
+          <a:bodyPr wrap="none" rtlCol="0">
+            <a:spAutoFit/>
+          </a:bodyPr>
+          <a:lstStyle/>
+          <a:p>
+            <a:r>
+              <a:rPr lang="en-US" altLang="zh-CN" dirty="0" smtClean="0"/>
+              <a:t>For each particle:</a:t>
+            </a:r>
+          </a:p>
+          <a:p>
+            <a:r>
+              <a:rPr lang="en-US" altLang="zh-CN" dirty="0" smtClean="0"/>
+              <a:t>        x(t + </a:t>
+            </a:r>
+            <a:r>
+              <a:rPr lang="en-US" altLang="zh-CN" dirty="0" err="1" smtClean="0"/>
+              <a:t>Δt</a:t>
+            </a:r>
+            <a:r>
+              <a:rPr lang="en-US" altLang="zh-CN" dirty="0" smtClean="0"/>
+              <a:t>) = 2x(t)  - x(t - </a:t>
+            </a:r>
+            <a:r>
+              <a:rPr lang="en-US" altLang="zh-CN" dirty="0" err="1" smtClean="0"/>
+              <a:t>Δt</a:t>
+            </a:r>
+            <a:r>
+              <a:rPr lang="en-US" altLang="zh-CN" dirty="0" smtClean="0"/>
+              <a:t>)</a:t>
+            </a:r>
+          </a:p>
+          <a:p>
+            <a:endParaRPr lang="zh-CN" altLang="en-US" dirty="0"/>
+          </a:p>
+        </p:txBody>
+      </p:sp>
     </p:spTree>
   </p:cSld>
   <p:clrMapOvr>
@@ -11767,6 +12428,1225 @@
 </file>
 
 <file path=ppt/slides/slide4.xml><?xml version="1.0" encoding="utf-8"?>
+<p:sld xmlns:a="http://schemas.openxmlformats.org/drawingml/2006/main" xmlns:r="http://schemas.openxmlformats.org/officeDocument/2006/relationships" xmlns:p="http://schemas.openxmlformats.org/presentationml/2006/main">
+  <p:cSld>
+    <p:spTree>
+      <p:nvGrpSpPr>
+        <p:cNvPr id="1" name="Shape 114"/>
+        <p:cNvGrpSpPr/>
+        <p:nvPr/>
+      </p:nvGrpSpPr>
+      <p:grpSpPr>
+        <a:xfrm>
+          <a:off x="0" y="0"/>
+          <a:ext cx="0" cy="0"/>
+          <a:chOff x="0" y="0"/>
+          <a:chExt cx="0" cy="0"/>
+        </a:xfrm>
+      </p:grpSpPr>
+      <p:sp>
+        <p:nvSpPr>
+          <p:cNvPr id="116" name="Google Shape;116;p15"/>
+          <p:cNvSpPr txBox="1"/>
+          <p:nvPr/>
+        </p:nvSpPr>
+        <p:spPr>
+          <a:xfrm>
+            <a:off x="716111" y="274999"/>
+            <a:ext cx="7524641" cy="438582"/>
+          </a:xfrm>
+          <a:prstGeom prst="rect">
+            <a:avLst/>
+          </a:prstGeom>
+          <a:noFill/>
+          <a:ln>
+            <a:noFill/>
+          </a:ln>
+        </p:spPr>
+        <p:txBody>
+          <a:bodyPr spcFirstLastPara="1" wrap="square" lIns="68575" tIns="34275" rIns="68575" bIns="34275" anchor="t" anchorCtr="0">
+            <a:noAutofit/>
+          </a:bodyPr>
+          <a:lstStyle/>
+          <a:p>
+            <a:pPr marL="0" marR="0" lvl="0" indent="0" algn="l" rtl="0">
+              <a:spcBef>
+                <a:spcPts val="0"/>
+              </a:spcBef>
+              <a:spcAft>
+                <a:spcPts val="0"/>
+              </a:spcAft>
+              <a:buNone/>
+            </a:pPr>
+            <a:r>
+              <a:rPr lang="en-US" sz="2400" b="1" dirty="0" smtClean="0">
+                <a:solidFill>
+                  <a:srgbClr val="1B4367"/>
+                </a:solidFill>
+                <a:latin typeface="Calibri"/>
+                <a:ea typeface="Calibri"/>
+                <a:cs typeface="Calibri"/>
+                <a:sym typeface="Calibri"/>
+              </a:rPr>
+              <a:t>Main Loop</a:t>
+            </a:r>
+            <a:endParaRPr sz="2400" b="1" dirty="0">
+              <a:solidFill>
+                <a:srgbClr val="1B4367"/>
+              </a:solidFill>
+              <a:latin typeface="Calibri"/>
+              <a:ea typeface="Calibri"/>
+              <a:cs typeface="Calibri"/>
+              <a:sym typeface="Calibri"/>
+            </a:endParaRPr>
+          </a:p>
+        </p:txBody>
+      </p:sp>
+      <p:cxnSp>
+        <p:nvCxnSpPr>
+          <p:cNvPr id="117" name="Google Shape;117;p15"/>
+          <p:cNvCxnSpPr/>
+          <p:nvPr/>
+        </p:nvCxnSpPr>
+        <p:spPr>
+          <a:xfrm>
+            <a:off x="774478" y="657417"/>
+            <a:ext cx="480259" cy="0"/>
+          </a:xfrm>
+          <a:prstGeom prst="straightConnector1">
+            <a:avLst/>
+          </a:prstGeom>
+          <a:noFill/>
+          <a:ln w="9525" cap="flat" cmpd="sng">
+            <a:solidFill>
+              <a:srgbClr val="1B4367"/>
+            </a:solidFill>
+            <a:prstDash val="solid"/>
+            <a:miter lim="800000"/>
+            <a:headEnd type="none" w="sm" len="sm"/>
+            <a:tailEnd type="none" w="sm" len="sm"/>
+          </a:ln>
+        </p:spPr>
+      </p:cxnSp>
+      <p:sp>
+        <p:nvSpPr>
+          <p:cNvPr id="5" name="TextBox 4"/>
+          <p:cNvSpPr txBox="1"/>
+          <p:nvPr/>
+        </p:nvSpPr>
+        <p:spPr>
+          <a:xfrm>
+            <a:off x="1289199" y="1072982"/>
+            <a:ext cx="2175596" cy="307777"/>
+          </a:xfrm>
+          <a:prstGeom prst="rect">
+            <a:avLst/>
+          </a:prstGeom>
+        </p:spPr>
+        <p:style>
+          <a:lnRef idx="2">
+            <a:schemeClr val="accent1"/>
+          </a:lnRef>
+          <a:fillRef idx="1">
+            <a:schemeClr val="lt1"/>
+          </a:fillRef>
+          <a:effectRef idx="0">
+            <a:schemeClr val="accent1"/>
+          </a:effectRef>
+          <a:fontRef idx="minor">
+            <a:schemeClr val="dk1"/>
+          </a:fontRef>
+        </p:style>
+        <p:txBody>
+          <a:bodyPr wrap="none" rtlCol="0">
+            <a:spAutoFit/>
+          </a:bodyPr>
+          <a:lstStyle/>
+          <a:p>
+            <a:r>
+              <a:rPr lang="en-US" altLang="zh-CN" dirty="0" smtClean="0"/>
+              <a:t>Predict particle positions.</a:t>
+            </a:r>
+            <a:endParaRPr lang="zh-CN" altLang="en-US" dirty="0"/>
+          </a:p>
+        </p:txBody>
+      </p:sp>
+      <p:sp>
+        <p:nvSpPr>
+          <p:cNvPr id="15" name="TextBox 14"/>
+          <p:cNvSpPr txBox="1"/>
+          <p:nvPr/>
+        </p:nvSpPr>
+        <p:spPr>
+          <a:xfrm>
+            <a:off x="1180195" y="1695363"/>
+            <a:ext cx="2393604" cy="307777"/>
+          </a:xfrm>
+          <a:prstGeom prst="rect">
+            <a:avLst/>
+          </a:prstGeom>
+        </p:spPr>
+        <p:style>
+          <a:lnRef idx="2">
+            <a:schemeClr val="accent1"/>
+          </a:lnRef>
+          <a:fillRef idx="1">
+            <a:schemeClr val="lt1"/>
+          </a:fillRef>
+          <a:effectRef idx="0">
+            <a:schemeClr val="accent1"/>
+          </a:effectRef>
+          <a:fontRef idx="minor">
+            <a:schemeClr val="dk1"/>
+          </a:fontRef>
+        </p:style>
+        <p:txBody>
+          <a:bodyPr wrap="none" rtlCol="0">
+            <a:spAutoFit/>
+          </a:bodyPr>
+          <a:lstStyle/>
+          <a:p>
+            <a:r>
+              <a:rPr lang="en-US" altLang="zh-CN" dirty="0" smtClean="0"/>
+              <a:t>Solve boundary constraints.</a:t>
+            </a:r>
+            <a:endParaRPr lang="zh-CN" altLang="en-US" dirty="0"/>
+          </a:p>
+        </p:txBody>
+      </p:sp>
+      <p:sp>
+        <p:nvSpPr>
+          <p:cNvPr id="16" name="TextBox 15"/>
+          <p:cNvSpPr txBox="1"/>
+          <p:nvPr/>
+        </p:nvSpPr>
+        <p:spPr>
+          <a:xfrm>
+            <a:off x="1314046" y="2329588"/>
+            <a:ext cx="2125903" cy="307777"/>
+          </a:xfrm>
+          <a:prstGeom prst="rect">
+            <a:avLst/>
+          </a:prstGeom>
+        </p:spPr>
+        <p:style>
+          <a:lnRef idx="2">
+            <a:schemeClr val="accent2">
+              <a:shade val="50000"/>
+            </a:schemeClr>
+          </a:lnRef>
+          <a:fillRef idx="1">
+            <a:schemeClr val="accent2"/>
+          </a:fillRef>
+          <a:effectRef idx="0">
+            <a:schemeClr val="accent2"/>
+          </a:effectRef>
+          <a:fontRef idx="minor">
+            <a:schemeClr val="lt1"/>
+          </a:fontRef>
+        </p:style>
+        <p:txBody>
+          <a:bodyPr wrap="none" rtlCol="0">
+            <a:spAutoFit/>
+          </a:bodyPr>
+          <a:lstStyle/>
+          <a:p>
+            <a:r>
+              <a:rPr lang="en-US" altLang="zh-CN" dirty="0" smtClean="0"/>
+              <a:t>Solve density constraint</a:t>
+            </a:r>
+            <a:endParaRPr lang="zh-CN" altLang="en-US" dirty="0"/>
+          </a:p>
+        </p:txBody>
+      </p:sp>
+      <p:sp>
+        <p:nvSpPr>
+          <p:cNvPr id="17" name="TextBox 16"/>
+          <p:cNvSpPr txBox="1"/>
+          <p:nvPr/>
+        </p:nvSpPr>
+        <p:spPr>
+          <a:xfrm>
+            <a:off x="1873735" y="3056104"/>
+            <a:ext cx="1031051" cy="307777"/>
+          </a:xfrm>
+          <a:prstGeom prst="rect">
+            <a:avLst/>
+          </a:prstGeom>
+        </p:spPr>
+        <p:style>
+          <a:lnRef idx="2">
+            <a:schemeClr val="accent2"/>
+          </a:lnRef>
+          <a:fillRef idx="1">
+            <a:schemeClr val="lt1"/>
+          </a:fillRef>
+          <a:effectRef idx="0">
+            <a:schemeClr val="accent2"/>
+          </a:effectRef>
+          <a:fontRef idx="minor">
+            <a:schemeClr val="dk1"/>
+          </a:fontRef>
+        </p:style>
+        <p:txBody>
+          <a:bodyPr wrap="none" rtlCol="0">
+            <a:spAutoFit/>
+          </a:bodyPr>
+          <a:lstStyle/>
+          <a:p>
+            <a:r>
+              <a:rPr lang="en-US" altLang="zh-CN" dirty="0"/>
+              <a:t>R</a:t>
+            </a:r>
+            <a:r>
+              <a:rPr lang="en-US" altLang="zh-CN" dirty="0" smtClean="0"/>
+              <a:t>igid body</a:t>
+            </a:r>
+            <a:endParaRPr lang="zh-CN" altLang="en-US" dirty="0"/>
+          </a:p>
+        </p:txBody>
+      </p:sp>
+      <p:sp>
+        <p:nvSpPr>
+          <p:cNvPr id="18" name="TextBox 17"/>
+          <p:cNvSpPr txBox="1"/>
+          <p:nvPr/>
+        </p:nvSpPr>
+        <p:spPr>
+          <a:xfrm>
+            <a:off x="2087736" y="3739947"/>
+            <a:ext cx="603050" cy="307777"/>
+          </a:xfrm>
+          <a:prstGeom prst="rect">
+            <a:avLst/>
+          </a:prstGeom>
+        </p:spPr>
+        <p:style>
+          <a:lnRef idx="2">
+            <a:schemeClr val="accent2"/>
+          </a:lnRef>
+          <a:fillRef idx="1">
+            <a:schemeClr val="lt1"/>
+          </a:fillRef>
+          <a:effectRef idx="0">
+            <a:schemeClr val="accent2"/>
+          </a:effectRef>
+          <a:fontRef idx="minor">
+            <a:schemeClr val="dk1"/>
+          </a:fontRef>
+        </p:style>
+        <p:txBody>
+          <a:bodyPr wrap="none" rtlCol="0">
+            <a:spAutoFit/>
+          </a:bodyPr>
+          <a:lstStyle/>
+          <a:p>
+            <a:r>
+              <a:rPr lang="en-US" altLang="zh-CN" dirty="0" smtClean="0"/>
+              <a:t>Cloth</a:t>
+            </a:r>
+            <a:endParaRPr lang="zh-CN" altLang="en-US" dirty="0"/>
+          </a:p>
+        </p:txBody>
+      </p:sp>
+      <p:cxnSp>
+        <p:nvCxnSpPr>
+          <p:cNvPr id="8" name="Straight Arrow Connector 7"/>
+          <p:cNvCxnSpPr>
+            <a:stCxn id="5" idx="2"/>
+            <a:endCxn id="15" idx="0"/>
+          </p:cNvCxnSpPr>
+          <p:nvPr/>
+        </p:nvCxnSpPr>
+        <p:spPr>
+          <a:xfrm>
+            <a:off x="2376997" y="1380759"/>
+            <a:ext cx="0" cy="314604"/>
+          </a:xfrm>
+          <a:prstGeom prst="straightConnector1">
+            <a:avLst/>
+          </a:prstGeom>
+          <a:ln>
+            <a:tailEnd type="triangle"/>
+          </a:ln>
+        </p:spPr>
+        <p:style>
+          <a:lnRef idx="1">
+            <a:schemeClr val="accent1"/>
+          </a:lnRef>
+          <a:fillRef idx="0">
+            <a:schemeClr val="accent1"/>
+          </a:fillRef>
+          <a:effectRef idx="0">
+            <a:schemeClr val="accent1"/>
+          </a:effectRef>
+          <a:fontRef idx="minor">
+            <a:schemeClr val="tx1"/>
+          </a:fontRef>
+        </p:style>
+      </p:cxnSp>
+      <p:cxnSp>
+        <p:nvCxnSpPr>
+          <p:cNvPr id="10" name="Straight Arrow Connector 9"/>
+          <p:cNvCxnSpPr>
+            <a:stCxn id="15" idx="2"/>
+            <a:endCxn id="16" idx="0"/>
+          </p:cNvCxnSpPr>
+          <p:nvPr/>
+        </p:nvCxnSpPr>
+        <p:spPr>
+          <a:xfrm>
+            <a:off x="2376997" y="2003140"/>
+            <a:ext cx="1" cy="326448"/>
+          </a:xfrm>
+          <a:prstGeom prst="straightConnector1">
+            <a:avLst/>
+          </a:prstGeom>
+          <a:ln>
+            <a:tailEnd type="triangle"/>
+          </a:ln>
+        </p:spPr>
+        <p:style>
+          <a:lnRef idx="1">
+            <a:schemeClr val="accent1"/>
+          </a:lnRef>
+          <a:fillRef idx="0">
+            <a:schemeClr val="accent1"/>
+          </a:fillRef>
+          <a:effectRef idx="0">
+            <a:schemeClr val="accent1"/>
+          </a:effectRef>
+          <a:fontRef idx="minor">
+            <a:schemeClr val="tx1"/>
+          </a:fontRef>
+        </p:style>
+      </p:cxnSp>
+      <p:cxnSp>
+        <p:nvCxnSpPr>
+          <p:cNvPr id="23" name="Straight Arrow Connector 22"/>
+          <p:cNvCxnSpPr>
+            <a:stCxn id="16" idx="2"/>
+            <a:endCxn id="17" idx="0"/>
+          </p:cNvCxnSpPr>
+          <p:nvPr/>
+        </p:nvCxnSpPr>
+        <p:spPr>
+          <a:xfrm>
+            <a:off x="2376998" y="2637365"/>
+            <a:ext cx="12263" cy="418739"/>
+          </a:xfrm>
+          <a:prstGeom prst="straightConnector1">
+            <a:avLst/>
+          </a:prstGeom>
+          <a:ln>
+            <a:tailEnd type="triangle"/>
+          </a:ln>
+        </p:spPr>
+        <p:style>
+          <a:lnRef idx="1">
+            <a:schemeClr val="accent1"/>
+          </a:lnRef>
+          <a:fillRef idx="0">
+            <a:schemeClr val="accent1"/>
+          </a:fillRef>
+          <a:effectRef idx="0">
+            <a:schemeClr val="accent1"/>
+          </a:effectRef>
+          <a:fontRef idx="minor">
+            <a:schemeClr val="tx1"/>
+          </a:fontRef>
+        </p:style>
+      </p:cxnSp>
+      <p:cxnSp>
+        <p:nvCxnSpPr>
+          <p:cNvPr id="25" name="Straight Arrow Connector 24"/>
+          <p:cNvCxnSpPr>
+            <a:stCxn id="17" idx="2"/>
+            <a:endCxn id="18" idx="0"/>
+          </p:cNvCxnSpPr>
+          <p:nvPr/>
+        </p:nvCxnSpPr>
+        <p:spPr>
+          <a:xfrm>
+            <a:off x="2389261" y="3363881"/>
+            <a:ext cx="0" cy="376066"/>
+          </a:xfrm>
+          <a:prstGeom prst="straightConnector1">
+            <a:avLst/>
+          </a:prstGeom>
+          <a:ln>
+            <a:tailEnd type="triangle"/>
+          </a:ln>
+        </p:spPr>
+        <p:style>
+          <a:lnRef idx="1">
+            <a:schemeClr val="accent1"/>
+          </a:lnRef>
+          <a:fillRef idx="0">
+            <a:schemeClr val="accent1"/>
+          </a:fillRef>
+          <a:effectRef idx="0">
+            <a:schemeClr val="accent1"/>
+          </a:effectRef>
+          <a:fontRef idx="minor">
+            <a:schemeClr val="tx1"/>
+          </a:fontRef>
+        </p:style>
+      </p:cxnSp>
+      <p:cxnSp>
+        <p:nvCxnSpPr>
+          <p:cNvPr id="28" name="Straight Arrow Connector 27"/>
+          <p:cNvCxnSpPr>
+            <a:stCxn id="18" idx="2"/>
+            <a:endCxn id="32" idx="0"/>
+          </p:cNvCxnSpPr>
+          <p:nvPr/>
+        </p:nvCxnSpPr>
+        <p:spPr>
+          <a:xfrm flipH="1">
+            <a:off x="2376996" y="4047724"/>
+            <a:ext cx="12265" cy="298989"/>
+          </a:xfrm>
+          <a:prstGeom prst="straightConnector1">
+            <a:avLst/>
+          </a:prstGeom>
+          <a:ln>
+            <a:tailEnd type="triangle"/>
+          </a:ln>
+        </p:spPr>
+        <p:style>
+          <a:lnRef idx="1">
+            <a:schemeClr val="accent1"/>
+          </a:lnRef>
+          <a:fillRef idx="0">
+            <a:schemeClr val="accent1"/>
+          </a:fillRef>
+          <a:effectRef idx="0">
+            <a:schemeClr val="accent1"/>
+          </a:effectRef>
+          <a:fontRef idx="minor">
+            <a:schemeClr val="tx1"/>
+          </a:fontRef>
+        </p:style>
+      </p:cxnSp>
+      <p:sp>
+        <p:nvSpPr>
+          <p:cNvPr id="32" name="TextBox 31"/>
+          <p:cNvSpPr txBox="1"/>
+          <p:nvPr/>
+        </p:nvSpPr>
+        <p:spPr>
+          <a:xfrm>
+            <a:off x="1473543" y="4346713"/>
+            <a:ext cx="1806905" cy="307777"/>
+          </a:xfrm>
+          <a:prstGeom prst="rect">
+            <a:avLst/>
+          </a:prstGeom>
+        </p:spPr>
+        <p:style>
+          <a:lnRef idx="2">
+            <a:schemeClr val="accent1"/>
+          </a:lnRef>
+          <a:fillRef idx="1">
+            <a:schemeClr val="lt1"/>
+          </a:fillRef>
+          <a:effectRef idx="0">
+            <a:schemeClr val="accent1"/>
+          </a:effectRef>
+          <a:fontRef idx="minor">
+            <a:schemeClr val="dk1"/>
+          </a:fontRef>
+        </p:style>
+        <p:txBody>
+          <a:bodyPr wrap="none" rtlCol="0">
+            <a:spAutoFit/>
+          </a:bodyPr>
+          <a:lstStyle/>
+          <a:p>
+            <a:r>
+              <a:rPr lang="en-US" altLang="zh-CN" dirty="0" smtClean="0"/>
+              <a:t>Reconstruct Surface</a:t>
+            </a:r>
+            <a:endParaRPr lang="zh-CN" altLang="en-US" dirty="0"/>
+          </a:p>
+        </p:txBody>
+      </p:sp>
+      <p:cxnSp>
+        <p:nvCxnSpPr>
+          <p:cNvPr id="30" name="Straight Arrow Connector 29"/>
+          <p:cNvCxnSpPr>
+            <a:endCxn id="5" idx="0"/>
+          </p:cNvCxnSpPr>
+          <p:nvPr/>
+        </p:nvCxnSpPr>
+        <p:spPr>
+          <a:xfrm>
+            <a:off x="2376995" y="535800"/>
+            <a:ext cx="2" cy="537182"/>
+          </a:xfrm>
+          <a:prstGeom prst="straightConnector1">
+            <a:avLst/>
+          </a:prstGeom>
+          <a:ln>
+            <a:tailEnd type="triangle"/>
+          </a:ln>
+        </p:spPr>
+        <p:style>
+          <a:lnRef idx="1">
+            <a:schemeClr val="accent1"/>
+          </a:lnRef>
+          <a:fillRef idx="0">
+            <a:schemeClr val="accent1"/>
+          </a:fillRef>
+          <a:effectRef idx="0">
+            <a:schemeClr val="accent1"/>
+          </a:effectRef>
+          <a:fontRef idx="minor">
+            <a:schemeClr val="tx1"/>
+          </a:fontRef>
+        </p:style>
+      </p:cxnSp>
+      <p:cxnSp>
+        <p:nvCxnSpPr>
+          <p:cNvPr id="33" name="Straight Arrow Connector 32"/>
+          <p:cNvCxnSpPr>
+            <a:stCxn id="32" idx="2"/>
+          </p:cNvCxnSpPr>
+          <p:nvPr/>
+        </p:nvCxnSpPr>
+        <p:spPr>
+          <a:xfrm flipH="1">
+            <a:off x="2376995" y="4654490"/>
+            <a:ext cx="1" cy="435518"/>
+          </a:xfrm>
+          <a:prstGeom prst="straightConnector1">
+            <a:avLst/>
+          </a:prstGeom>
+          <a:ln>
+            <a:tailEnd type="triangle"/>
+          </a:ln>
+        </p:spPr>
+        <p:style>
+          <a:lnRef idx="1">
+            <a:schemeClr val="accent1"/>
+          </a:lnRef>
+          <a:fillRef idx="0">
+            <a:schemeClr val="accent1"/>
+          </a:fillRef>
+          <a:effectRef idx="0">
+            <a:schemeClr val="accent1"/>
+          </a:effectRef>
+          <a:fontRef idx="minor">
+            <a:schemeClr val="tx1"/>
+          </a:fontRef>
+        </p:style>
+      </p:cxnSp>
+      <p:cxnSp>
+        <p:nvCxnSpPr>
+          <p:cNvPr id="37" name="Elbow Connector 36"/>
+          <p:cNvCxnSpPr>
+            <a:stCxn id="18" idx="1"/>
+            <a:endCxn id="16" idx="1"/>
+          </p:cNvCxnSpPr>
+          <p:nvPr/>
+        </p:nvCxnSpPr>
+        <p:spPr>
+          <a:xfrm rot="10800000">
+            <a:off x="1314046" y="2483478"/>
+            <a:ext cx="773690" cy="1410359"/>
+          </a:xfrm>
+          <a:prstGeom prst="bentConnector3">
+            <a:avLst>
+              <a:gd name="adj1" fmla="val 129547"/>
+            </a:avLst>
+          </a:prstGeom>
+          <a:ln>
+            <a:tailEnd type="triangle"/>
+          </a:ln>
+        </p:spPr>
+        <p:style>
+          <a:lnRef idx="1">
+            <a:schemeClr val="accent1"/>
+          </a:lnRef>
+          <a:fillRef idx="0">
+            <a:schemeClr val="accent1"/>
+          </a:fillRef>
+          <a:effectRef idx="0">
+            <a:schemeClr val="accent1"/>
+          </a:effectRef>
+          <a:fontRef idx="minor">
+            <a:schemeClr val="tx1"/>
+          </a:fontRef>
+        </p:style>
+      </p:cxnSp>
+      <p:sp>
+        <p:nvSpPr>
+          <p:cNvPr id="39" name="TextBox 38"/>
+          <p:cNvSpPr txBox="1"/>
+          <p:nvPr/>
+        </p:nvSpPr>
+        <p:spPr>
+          <a:xfrm rot="16200000">
+            <a:off x="186158" y="3056105"/>
+            <a:ext cx="1059906" cy="307777"/>
+          </a:xfrm>
+          <a:prstGeom prst="rect">
+            <a:avLst/>
+          </a:prstGeom>
+          <a:noFill/>
+        </p:spPr>
+        <p:txBody>
+          <a:bodyPr wrap="none" rtlCol="0">
+            <a:spAutoFit/>
+          </a:bodyPr>
+          <a:lstStyle/>
+          <a:p>
+            <a:r>
+              <a:rPr lang="en-US" altLang="zh-CN" dirty="0" smtClean="0"/>
+              <a:t>5 iterations</a:t>
+            </a:r>
+            <a:endParaRPr lang="zh-CN" altLang="en-US" dirty="0"/>
+          </a:p>
+        </p:txBody>
+      </p:sp>
+      <p:sp>
+        <p:nvSpPr>
+          <p:cNvPr id="43" name="TextBox 42"/>
+          <p:cNvSpPr txBox="1"/>
+          <p:nvPr/>
+        </p:nvSpPr>
+        <p:spPr>
+          <a:xfrm>
+            <a:off x="4636750" y="1722823"/>
+            <a:ext cx="574196" cy="307777"/>
+          </a:xfrm>
+          <a:prstGeom prst="rect">
+            <a:avLst/>
+          </a:prstGeom>
+        </p:spPr>
+        <p:style>
+          <a:lnRef idx="2">
+            <a:schemeClr val="accent1"/>
+          </a:lnRef>
+          <a:fillRef idx="1">
+            <a:schemeClr val="lt1"/>
+          </a:fillRef>
+          <a:effectRef idx="0">
+            <a:schemeClr val="accent1"/>
+          </a:effectRef>
+          <a:fontRef idx="minor">
+            <a:schemeClr val="dk1"/>
+          </a:fontRef>
+        </p:style>
+        <p:txBody>
+          <a:bodyPr wrap="none" rtlCol="0">
+            <a:spAutoFit/>
+          </a:bodyPr>
+          <a:lstStyle/>
+          <a:p>
+            <a:r>
+              <a:rPr lang="en-US" altLang="zh-CN" dirty="0" smtClean="0"/>
+              <a:t>GPU</a:t>
+            </a:r>
+            <a:endParaRPr lang="zh-CN" altLang="en-US" dirty="0"/>
+          </a:p>
+        </p:txBody>
+      </p:sp>
+      <p:cxnSp>
+        <p:nvCxnSpPr>
+          <p:cNvPr id="41" name="Straight Arrow Connector 40"/>
+          <p:cNvCxnSpPr>
+            <a:stCxn id="5" idx="3"/>
+            <a:endCxn id="43" idx="1"/>
+          </p:cNvCxnSpPr>
+          <p:nvPr/>
+        </p:nvCxnSpPr>
+        <p:spPr>
+          <a:xfrm>
+            <a:off x="3464795" y="1226871"/>
+            <a:ext cx="1171955" cy="649841"/>
+          </a:xfrm>
+          <a:prstGeom prst="straightConnector1">
+            <a:avLst/>
+          </a:prstGeom>
+          <a:ln>
+            <a:tailEnd type="triangle"/>
+          </a:ln>
+        </p:spPr>
+        <p:style>
+          <a:lnRef idx="1">
+            <a:schemeClr val="accent1"/>
+          </a:lnRef>
+          <a:fillRef idx="0">
+            <a:schemeClr val="accent1"/>
+          </a:fillRef>
+          <a:effectRef idx="0">
+            <a:schemeClr val="accent1"/>
+          </a:effectRef>
+          <a:fontRef idx="minor">
+            <a:schemeClr val="tx1"/>
+          </a:fontRef>
+        </p:style>
+      </p:cxnSp>
+      <p:cxnSp>
+        <p:nvCxnSpPr>
+          <p:cNvPr id="44" name="Straight Arrow Connector 43"/>
+          <p:cNvCxnSpPr>
+            <a:stCxn id="15" idx="3"/>
+            <a:endCxn id="43" idx="1"/>
+          </p:cNvCxnSpPr>
+          <p:nvPr/>
+        </p:nvCxnSpPr>
+        <p:spPr>
+          <a:xfrm>
+            <a:off x="3573799" y="1849252"/>
+            <a:ext cx="1062951" cy="27460"/>
+          </a:xfrm>
+          <a:prstGeom prst="straightConnector1">
+            <a:avLst/>
+          </a:prstGeom>
+          <a:ln>
+            <a:tailEnd type="triangle"/>
+          </a:ln>
+        </p:spPr>
+        <p:style>
+          <a:lnRef idx="1">
+            <a:schemeClr val="accent1"/>
+          </a:lnRef>
+          <a:fillRef idx="0">
+            <a:schemeClr val="accent1"/>
+          </a:fillRef>
+          <a:effectRef idx="0">
+            <a:schemeClr val="accent1"/>
+          </a:effectRef>
+          <a:fontRef idx="minor">
+            <a:schemeClr val="tx1"/>
+          </a:fontRef>
+        </p:style>
+      </p:cxnSp>
+      <p:cxnSp>
+        <p:nvCxnSpPr>
+          <p:cNvPr id="46" name="Straight Arrow Connector 45"/>
+          <p:cNvCxnSpPr>
+            <a:stCxn id="16" idx="3"/>
+            <a:endCxn id="43" idx="1"/>
+          </p:cNvCxnSpPr>
+          <p:nvPr/>
+        </p:nvCxnSpPr>
+        <p:spPr>
+          <a:xfrm flipV="1">
+            <a:off x="3439949" y="1876712"/>
+            <a:ext cx="1196801" cy="606765"/>
+          </a:xfrm>
+          <a:prstGeom prst="straightConnector1">
+            <a:avLst/>
+          </a:prstGeom>
+          <a:ln>
+            <a:tailEnd type="triangle"/>
+          </a:ln>
+        </p:spPr>
+        <p:style>
+          <a:lnRef idx="1">
+            <a:schemeClr val="accent1"/>
+          </a:lnRef>
+          <a:fillRef idx="0">
+            <a:schemeClr val="accent1"/>
+          </a:fillRef>
+          <a:effectRef idx="0">
+            <a:schemeClr val="accent1"/>
+          </a:effectRef>
+          <a:fontRef idx="minor">
+            <a:schemeClr val="tx1"/>
+          </a:fontRef>
+        </p:style>
+      </p:cxnSp>
+      <p:sp>
+        <p:nvSpPr>
+          <p:cNvPr id="50" name="TextBox 49"/>
+          <p:cNvSpPr txBox="1"/>
+          <p:nvPr/>
+        </p:nvSpPr>
+        <p:spPr>
+          <a:xfrm>
+            <a:off x="4636750" y="2998332"/>
+            <a:ext cx="564578" cy="307777"/>
+          </a:xfrm>
+          <a:prstGeom prst="rect">
+            <a:avLst/>
+          </a:prstGeom>
+        </p:spPr>
+        <p:style>
+          <a:lnRef idx="2">
+            <a:schemeClr val="accent2"/>
+          </a:lnRef>
+          <a:fillRef idx="1">
+            <a:schemeClr val="lt1"/>
+          </a:fillRef>
+          <a:effectRef idx="0">
+            <a:schemeClr val="accent2"/>
+          </a:effectRef>
+          <a:fontRef idx="minor">
+            <a:schemeClr val="dk1"/>
+          </a:fontRef>
+        </p:style>
+        <p:txBody>
+          <a:bodyPr wrap="none" rtlCol="0">
+            <a:spAutoFit/>
+          </a:bodyPr>
+          <a:lstStyle/>
+          <a:p>
+            <a:r>
+              <a:rPr lang="en-US" altLang="zh-CN" dirty="0"/>
+              <a:t>C</a:t>
+            </a:r>
+            <a:r>
+              <a:rPr lang="en-US" altLang="zh-CN" dirty="0" smtClean="0"/>
+              <a:t>PU</a:t>
+            </a:r>
+            <a:endParaRPr lang="zh-CN" altLang="en-US" dirty="0"/>
+          </a:p>
+        </p:txBody>
+      </p:sp>
+      <p:cxnSp>
+        <p:nvCxnSpPr>
+          <p:cNvPr id="48" name="Straight Arrow Connector 47"/>
+          <p:cNvCxnSpPr>
+            <a:stCxn id="16" idx="3"/>
+            <a:endCxn id="50" idx="1"/>
+          </p:cNvCxnSpPr>
+          <p:nvPr/>
+        </p:nvCxnSpPr>
+        <p:spPr>
+          <a:xfrm>
+            <a:off x="3439949" y="2483477"/>
+            <a:ext cx="1196801" cy="668744"/>
+          </a:xfrm>
+          <a:prstGeom prst="straightConnector1">
+            <a:avLst/>
+          </a:prstGeom>
+          <a:ln>
+            <a:tailEnd type="triangle"/>
+          </a:ln>
+        </p:spPr>
+        <p:style>
+          <a:lnRef idx="1">
+            <a:schemeClr val="accent2"/>
+          </a:lnRef>
+          <a:fillRef idx="0">
+            <a:schemeClr val="accent2"/>
+          </a:fillRef>
+          <a:effectRef idx="0">
+            <a:schemeClr val="accent2"/>
+          </a:effectRef>
+          <a:fontRef idx="minor">
+            <a:schemeClr val="tx1"/>
+          </a:fontRef>
+        </p:style>
+      </p:cxnSp>
+      <p:cxnSp>
+        <p:nvCxnSpPr>
+          <p:cNvPr id="51" name="Straight Arrow Connector 50"/>
+          <p:cNvCxnSpPr>
+            <a:stCxn id="17" idx="3"/>
+            <a:endCxn id="50" idx="1"/>
+          </p:cNvCxnSpPr>
+          <p:nvPr/>
+        </p:nvCxnSpPr>
+        <p:spPr>
+          <a:xfrm flipV="1">
+            <a:off x="2904786" y="3152221"/>
+            <a:ext cx="1731964" cy="57772"/>
+          </a:xfrm>
+          <a:prstGeom prst="straightConnector1">
+            <a:avLst/>
+          </a:prstGeom>
+          <a:ln>
+            <a:tailEnd type="triangle"/>
+          </a:ln>
+        </p:spPr>
+        <p:style>
+          <a:lnRef idx="1">
+            <a:schemeClr val="accent2"/>
+          </a:lnRef>
+          <a:fillRef idx="0">
+            <a:schemeClr val="accent2"/>
+          </a:fillRef>
+          <a:effectRef idx="0">
+            <a:schemeClr val="accent2"/>
+          </a:effectRef>
+          <a:fontRef idx="minor">
+            <a:schemeClr val="tx1"/>
+          </a:fontRef>
+        </p:style>
+      </p:cxnSp>
+      <p:cxnSp>
+        <p:nvCxnSpPr>
+          <p:cNvPr id="53" name="Straight Arrow Connector 52"/>
+          <p:cNvCxnSpPr>
+            <a:stCxn id="18" idx="3"/>
+            <a:endCxn id="50" idx="1"/>
+          </p:cNvCxnSpPr>
+          <p:nvPr/>
+        </p:nvCxnSpPr>
+        <p:spPr>
+          <a:xfrm flipV="1">
+            <a:off x="2690786" y="3152221"/>
+            <a:ext cx="1945964" cy="741615"/>
+          </a:xfrm>
+          <a:prstGeom prst="straightConnector1">
+            <a:avLst/>
+          </a:prstGeom>
+          <a:ln>
+            <a:tailEnd type="triangle"/>
+          </a:ln>
+        </p:spPr>
+        <p:style>
+          <a:lnRef idx="1">
+            <a:schemeClr val="accent2"/>
+          </a:lnRef>
+          <a:fillRef idx="0">
+            <a:schemeClr val="accent2"/>
+          </a:fillRef>
+          <a:effectRef idx="0">
+            <a:schemeClr val="accent2"/>
+          </a:effectRef>
+          <a:fontRef idx="minor">
+            <a:schemeClr val="tx1"/>
+          </a:fontRef>
+        </p:style>
+      </p:cxnSp>
+      <p:cxnSp>
+        <p:nvCxnSpPr>
+          <p:cNvPr id="71" name="Straight Arrow Connector 70"/>
+          <p:cNvCxnSpPr>
+            <a:stCxn id="17" idx="3"/>
+          </p:cNvCxnSpPr>
+          <p:nvPr/>
+        </p:nvCxnSpPr>
+        <p:spPr>
+          <a:xfrm flipV="1">
+            <a:off x="2904786" y="1934817"/>
+            <a:ext cx="1680466" cy="1275176"/>
+          </a:xfrm>
+          <a:prstGeom prst="straightConnector1">
+            <a:avLst/>
+          </a:prstGeom>
+          <a:ln w="9525" cap="flat" cmpd="sng" algn="ctr">
+            <a:solidFill>
+              <a:schemeClr val="accent1"/>
+            </a:solidFill>
+            <a:prstDash val="dash"/>
+            <a:round/>
+            <a:headEnd type="none" w="med" len="med"/>
+            <a:tailEnd type="none" w="med" len="med"/>
+          </a:ln>
+        </p:spPr>
+        <p:style>
+          <a:lnRef idx="0">
+            <a:scrgbClr r="0" g="0" b="0"/>
+          </a:lnRef>
+          <a:fillRef idx="0">
+            <a:scrgbClr r="0" g="0" b="0"/>
+          </a:fillRef>
+          <a:effectRef idx="0">
+            <a:scrgbClr r="0" g="0" b="0"/>
+          </a:effectRef>
+          <a:fontRef idx="minor">
+            <a:schemeClr val="tx1"/>
+          </a:fontRef>
+        </p:style>
+      </p:cxnSp>
+      <p:cxnSp>
+        <p:nvCxnSpPr>
+          <p:cNvPr id="75" name="Straight Arrow Connector 74"/>
+          <p:cNvCxnSpPr>
+            <a:stCxn id="18" idx="3"/>
+          </p:cNvCxnSpPr>
+          <p:nvPr/>
+        </p:nvCxnSpPr>
+        <p:spPr>
+          <a:xfrm flipV="1">
+            <a:off x="2690786" y="1972829"/>
+            <a:ext cx="1894466" cy="1921007"/>
+          </a:xfrm>
+          <a:prstGeom prst="straightConnector1">
+            <a:avLst/>
+          </a:prstGeom>
+          <a:ln w="9525" cap="flat" cmpd="sng" algn="ctr">
+            <a:solidFill>
+              <a:schemeClr val="accent1"/>
+            </a:solidFill>
+            <a:prstDash val="dash"/>
+            <a:round/>
+            <a:headEnd type="none" w="med" len="med"/>
+            <a:tailEnd type="none" w="med" len="med"/>
+          </a:ln>
+        </p:spPr>
+        <p:style>
+          <a:lnRef idx="0">
+            <a:scrgbClr r="0" g="0" b="0"/>
+          </a:lnRef>
+          <a:fillRef idx="0">
+            <a:scrgbClr r="0" g="0" b="0"/>
+          </a:fillRef>
+          <a:effectRef idx="0">
+            <a:scrgbClr r="0" g="0" b="0"/>
+          </a:effectRef>
+          <a:fontRef idx="minor">
+            <a:schemeClr val="tx1"/>
+          </a:fontRef>
+        </p:style>
+      </p:cxnSp>
+      <p:cxnSp>
+        <p:nvCxnSpPr>
+          <p:cNvPr id="79" name="Straight Arrow Connector 78"/>
+          <p:cNvCxnSpPr>
+            <a:stCxn id="32" idx="3"/>
+            <a:endCxn id="43" idx="1"/>
+          </p:cNvCxnSpPr>
+          <p:nvPr/>
+        </p:nvCxnSpPr>
+        <p:spPr>
+          <a:xfrm flipV="1">
+            <a:off x="3280448" y="1876712"/>
+            <a:ext cx="1356302" cy="2623890"/>
+          </a:xfrm>
+          <a:prstGeom prst="straightConnector1">
+            <a:avLst/>
+          </a:prstGeom>
+          <a:ln>
+            <a:tailEnd type="triangle"/>
+          </a:ln>
+        </p:spPr>
+        <p:style>
+          <a:lnRef idx="1">
+            <a:schemeClr val="accent1"/>
+          </a:lnRef>
+          <a:fillRef idx="0">
+            <a:schemeClr val="accent1"/>
+          </a:fillRef>
+          <a:effectRef idx="0">
+            <a:schemeClr val="accent1"/>
+          </a:effectRef>
+          <a:fontRef idx="minor">
+            <a:schemeClr val="tx1"/>
+          </a:fontRef>
+        </p:style>
+      </p:cxnSp>
+      <p:sp>
+        <p:nvSpPr>
+          <p:cNvPr id="83" name="TextBox 82"/>
+          <p:cNvSpPr txBox="1"/>
+          <p:nvPr/>
+        </p:nvSpPr>
+        <p:spPr>
+          <a:xfrm>
+            <a:off x="6114849" y="1072982"/>
+            <a:ext cx="2125903" cy="307777"/>
+          </a:xfrm>
+          <a:prstGeom prst="rect">
+            <a:avLst/>
+          </a:prstGeom>
+        </p:spPr>
+        <p:style>
+          <a:lnRef idx="2">
+            <a:schemeClr val="accent2">
+              <a:shade val="50000"/>
+            </a:schemeClr>
+          </a:lnRef>
+          <a:fillRef idx="1">
+            <a:schemeClr val="accent2"/>
+          </a:fillRef>
+          <a:effectRef idx="0">
+            <a:schemeClr val="accent2"/>
+          </a:effectRef>
+          <a:fontRef idx="minor">
+            <a:schemeClr val="lt1"/>
+          </a:fontRef>
+        </p:style>
+        <p:txBody>
+          <a:bodyPr wrap="none" rtlCol="0">
+            <a:spAutoFit/>
+          </a:bodyPr>
+          <a:lstStyle/>
+          <a:p>
+            <a:r>
+              <a:rPr lang="en-US" altLang="zh-CN" dirty="0" smtClean="0"/>
+              <a:t>Solve density constraint</a:t>
+            </a:r>
+            <a:endParaRPr lang="zh-CN" altLang="en-US" dirty="0"/>
+          </a:p>
+        </p:txBody>
+      </p:sp>
+      <p:pic>
+        <p:nvPicPr>
+          <p:cNvPr id="84" name="Picture 83"/>
+          <p:cNvPicPr>
+            <a:picLocks noChangeAspect="1"/>
+          </p:cNvPicPr>
+          <p:nvPr/>
+        </p:nvPicPr>
+        <p:blipFill>
+          <a:blip r:embed="rId3"/>
+          <a:stretch>
+            <a:fillRect/>
+          </a:stretch>
+        </p:blipFill>
+        <p:spPr>
+          <a:xfrm>
+            <a:off x="6114849" y="1488742"/>
+            <a:ext cx="2144909" cy="1667309"/>
+          </a:xfrm>
+          <a:prstGeom prst="rect">
+            <a:avLst/>
+          </a:prstGeom>
+        </p:spPr>
+      </p:pic>
+      <p:sp>
+        <p:nvSpPr>
+          <p:cNvPr id="80" name="TextBox 79"/>
+          <p:cNvSpPr txBox="1"/>
+          <p:nvPr/>
+        </p:nvSpPr>
+        <p:spPr>
+          <a:xfrm>
+            <a:off x="6013490" y="3523028"/>
+            <a:ext cx="2576346" cy="307777"/>
+          </a:xfrm>
+          <a:prstGeom prst="rect">
+            <a:avLst/>
+          </a:prstGeom>
+          <a:noFill/>
+        </p:spPr>
+        <p:txBody>
+          <a:bodyPr wrap="none" rtlCol="0">
+            <a:spAutoFit/>
+          </a:bodyPr>
+          <a:lstStyle/>
+          <a:p>
+            <a:r>
+              <a:rPr lang="en-US" altLang="zh-CN" dirty="0" smtClean="0"/>
+              <a:t>100k particles, ~30 neighbors</a:t>
+            </a:r>
+            <a:endParaRPr lang="zh-CN" altLang="en-US" dirty="0"/>
+          </a:p>
+        </p:txBody>
+      </p:sp>
+    </p:spTree>
+    <p:extLst>
+      <p:ext uri="{BB962C8B-B14F-4D97-AF65-F5344CB8AC3E}">
+        <p14:creationId xmlns:p14="http://schemas.microsoft.com/office/powerpoint/2010/main" val="1352105612"/>
+      </p:ext>
+    </p:extLst>
+  </p:cSld>
+  <p:clrMapOvr>
+    <a:masterClrMapping/>
+  </p:clrMapOvr>
+</p:sld>
+</file>
+
+<file path=ppt/slides/slide5.xml><?xml version="1.0" encoding="utf-8"?>
 <p:sld xmlns:a="http://schemas.openxmlformats.org/drawingml/2006/main" xmlns:r="http://schemas.openxmlformats.org/officeDocument/2006/relationships" xmlns:p="http://schemas.openxmlformats.org/presentationml/2006/main">
   <p:cSld>
     <p:spTree>
@@ -12143,7 +14023,7 @@
 </p:sld>
 </file>
 
-<file path=ppt/slides/slide5.xml><?xml version="1.0" encoding="utf-8"?>
+<file path=ppt/slides/slide6.xml><?xml version="1.0" encoding="utf-8"?>
 <p:sld xmlns:a="http://schemas.openxmlformats.org/drawingml/2006/main" xmlns:r="http://schemas.openxmlformats.org/officeDocument/2006/relationships" xmlns:p="http://schemas.openxmlformats.org/presentationml/2006/main">
   <p:cSld>
     <p:spTree>
@@ -12954,7 +14834,7 @@
 </p:sld>
 </file>
 
-<file path=ppt/slides/slide6.xml><?xml version="1.0" encoding="utf-8"?>
+<file path=ppt/slides/slide7.xml><?xml version="1.0" encoding="utf-8"?>
 <p:sld xmlns:a="http://schemas.openxmlformats.org/drawingml/2006/main" xmlns:r="http://schemas.openxmlformats.org/officeDocument/2006/relationships" xmlns:p="http://schemas.openxmlformats.org/presentationml/2006/main">
   <p:cSld>
     <p:spTree>
